--- a/Project-1_CombatWombats.pptx
+++ b/Project-1_CombatWombats.pptx
@@ -9,16 +9,22 @@
     <p:sldId id="257" r:id="rId3"/>
     <p:sldId id="258" r:id="rId4"/>
     <p:sldId id="259" r:id="rId5"/>
-    <p:sldId id="260" r:id="rId6"/>
-    <p:sldId id="261" r:id="rId7"/>
-    <p:sldId id="262" r:id="rId8"/>
-    <p:sldId id="263" r:id="rId9"/>
-    <p:sldId id="264" r:id="rId10"/>
-    <p:sldId id="266" r:id="rId11"/>
-    <p:sldId id="265" r:id="rId12"/>
-    <p:sldId id="267" r:id="rId13"/>
-    <p:sldId id="268" r:id="rId14"/>
-    <p:sldId id="269" r:id="rId15"/>
+    <p:sldId id="276" r:id="rId6"/>
+    <p:sldId id="260" r:id="rId7"/>
+    <p:sldId id="271" r:id="rId8"/>
+    <p:sldId id="261" r:id="rId9"/>
+    <p:sldId id="262" r:id="rId10"/>
+    <p:sldId id="263" r:id="rId11"/>
+    <p:sldId id="275" r:id="rId12"/>
+    <p:sldId id="277" r:id="rId13"/>
+    <p:sldId id="272" r:id="rId14"/>
+    <p:sldId id="265" r:id="rId15"/>
+    <p:sldId id="273" r:id="rId16"/>
+    <p:sldId id="274" r:id="rId17"/>
+    <p:sldId id="267" r:id="rId18"/>
+    <p:sldId id="268" r:id="rId19"/>
+    <p:sldId id="269" r:id="rId20"/>
+    <p:sldId id="278" r:id="rId21"/>
   </p:sldIdLst>
   <p:sldSz cx="12192000" cy="6858000"/>
   <p:notesSz cx="6858000" cy="9144000"/>
@@ -272,9 +278,9 @@
           <a:p>
             <a:fld id="{6A4B53A7-3209-46A6-9454-F38EAC8F11E7}" type="datetimeFigureOut">
               <a:rPr lang="en-US" smtClean="0"/>
-              <a:t>10/22/2020</a:t>
+              <a:t>10/24/2020</a:t>
             </a:fld>
-            <a:endParaRPr lang="en-US"/>
+            <a:endParaRPr lang="en-US" dirty="0"/>
           </a:p>
         </p:txBody>
       </p:sp>
@@ -299,7 +305,7 @@
           <a:bodyPr/>
           <a:lstStyle/>
           <a:p>
-            <a:endParaRPr lang="en-US"/>
+            <a:endParaRPr lang="en-US" dirty="0"/>
           </a:p>
         </p:txBody>
       </p:sp>
@@ -328,7 +334,7 @@
               <a:rPr lang="en-US" smtClean="0"/>
               <a:t>‹#›</a:t>
             </a:fld>
-            <a:endParaRPr lang="en-US"/>
+            <a:endParaRPr lang="en-US" dirty="0"/>
           </a:p>
         </p:txBody>
       </p:sp>
@@ -523,9 +529,9 @@
           <a:p>
             <a:fld id="{6A4B53A7-3209-46A6-9454-F38EAC8F11E7}" type="datetimeFigureOut">
               <a:rPr lang="en-US" smtClean="0"/>
-              <a:t>10/22/2020</a:t>
+              <a:t>10/24/2020</a:t>
             </a:fld>
-            <a:endParaRPr lang="en-US"/>
+            <a:endParaRPr lang="en-US" dirty="0"/>
           </a:p>
         </p:txBody>
       </p:sp>
@@ -550,7 +556,7 @@
           <a:bodyPr/>
           <a:lstStyle/>
           <a:p>
-            <a:endParaRPr lang="en-US"/>
+            <a:endParaRPr lang="en-US" dirty="0"/>
           </a:p>
         </p:txBody>
       </p:sp>
@@ -579,7 +585,7 @@
               <a:rPr lang="en-US" smtClean="0"/>
               <a:t>‹#›</a:t>
             </a:fld>
-            <a:endParaRPr lang="en-US"/>
+            <a:endParaRPr lang="en-US" dirty="0"/>
           </a:p>
         </p:txBody>
       </p:sp>
@@ -784,9 +790,9 @@
           <a:p>
             <a:fld id="{6A4B53A7-3209-46A6-9454-F38EAC8F11E7}" type="datetimeFigureOut">
               <a:rPr lang="en-US" smtClean="0"/>
-              <a:t>10/22/2020</a:t>
+              <a:t>10/24/2020</a:t>
             </a:fld>
-            <a:endParaRPr lang="en-US"/>
+            <a:endParaRPr lang="en-US" dirty="0"/>
           </a:p>
         </p:txBody>
       </p:sp>
@@ -811,7 +817,7 @@
           <a:bodyPr/>
           <a:lstStyle/>
           <a:p>
-            <a:endParaRPr lang="en-US"/>
+            <a:endParaRPr lang="en-US" dirty="0"/>
           </a:p>
         </p:txBody>
       </p:sp>
@@ -840,7 +846,7 @@
               <a:rPr lang="en-US" smtClean="0"/>
               <a:t>‹#›</a:t>
             </a:fld>
-            <a:endParaRPr lang="en-US"/>
+            <a:endParaRPr lang="en-US" dirty="0"/>
           </a:p>
         </p:txBody>
       </p:sp>
@@ -1035,9 +1041,9 @@
           <a:p>
             <a:fld id="{6A4B53A7-3209-46A6-9454-F38EAC8F11E7}" type="datetimeFigureOut">
               <a:rPr lang="en-US" smtClean="0"/>
-              <a:t>10/22/2020</a:t>
+              <a:t>10/24/2020</a:t>
             </a:fld>
-            <a:endParaRPr lang="en-US"/>
+            <a:endParaRPr lang="en-US" dirty="0"/>
           </a:p>
         </p:txBody>
       </p:sp>
@@ -1062,7 +1068,7 @@
           <a:bodyPr/>
           <a:lstStyle/>
           <a:p>
-            <a:endParaRPr lang="en-US"/>
+            <a:endParaRPr lang="en-US" dirty="0"/>
           </a:p>
         </p:txBody>
       </p:sp>
@@ -1091,7 +1097,7 @@
               <a:rPr lang="en-US" smtClean="0"/>
               <a:t>‹#›</a:t>
             </a:fld>
-            <a:endParaRPr lang="en-US"/>
+            <a:endParaRPr lang="en-US" dirty="0"/>
           </a:p>
         </p:txBody>
       </p:sp>
@@ -1363,9 +1369,9 @@
           <a:p>
             <a:fld id="{6A4B53A7-3209-46A6-9454-F38EAC8F11E7}" type="datetimeFigureOut">
               <a:rPr lang="en-US" smtClean="0"/>
-              <a:t>10/22/2020</a:t>
+              <a:t>10/24/2020</a:t>
             </a:fld>
-            <a:endParaRPr lang="en-US"/>
+            <a:endParaRPr lang="en-US" dirty="0"/>
           </a:p>
         </p:txBody>
       </p:sp>
@@ -1390,7 +1396,7 @@
           <a:bodyPr/>
           <a:lstStyle/>
           <a:p>
-            <a:endParaRPr lang="en-US"/>
+            <a:endParaRPr lang="en-US" dirty="0"/>
           </a:p>
         </p:txBody>
       </p:sp>
@@ -1419,7 +1425,7 @@
               <a:rPr lang="en-US" smtClean="0"/>
               <a:t>‹#›</a:t>
             </a:fld>
-            <a:endParaRPr lang="en-US"/>
+            <a:endParaRPr lang="en-US" dirty="0"/>
           </a:p>
         </p:txBody>
       </p:sp>
@@ -1681,9 +1687,9 @@
           <a:p>
             <a:fld id="{6A4B53A7-3209-46A6-9454-F38EAC8F11E7}" type="datetimeFigureOut">
               <a:rPr lang="en-US" smtClean="0"/>
-              <a:t>10/22/2020</a:t>
+              <a:t>10/24/2020</a:t>
             </a:fld>
-            <a:endParaRPr lang="en-US"/>
+            <a:endParaRPr lang="en-US" dirty="0"/>
           </a:p>
         </p:txBody>
       </p:sp>
@@ -1708,7 +1714,7 @@
           <a:bodyPr/>
           <a:lstStyle/>
           <a:p>
-            <a:endParaRPr lang="en-US"/>
+            <a:endParaRPr lang="en-US" dirty="0"/>
           </a:p>
         </p:txBody>
       </p:sp>
@@ -1737,7 +1743,7 @@
               <a:rPr lang="en-US" smtClean="0"/>
               <a:t>‹#›</a:t>
             </a:fld>
-            <a:endParaRPr lang="en-US"/>
+            <a:endParaRPr lang="en-US" dirty="0"/>
           </a:p>
         </p:txBody>
       </p:sp>
@@ -2146,9 +2152,9 @@
           <a:p>
             <a:fld id="{6A4B53A7-3209-46A6-9454-F38EAC8F11E7}" type="datetimeFigureOut">
               <a:rPr lang="en-US" smtClean="0"/>
-              <a:t>10/22/2020</a:t>
+              <a:t>10/24/2020</a:t>
             </a:fld>
-            <a:endParaRPr lang="en-US"/>
+            <a:endParaRPr lang="en-US" dirty="0"/>
           </a:p>
         </p:txBody>
       </p:sp>
@@ -2173,7 +2179,7 @@
           <a:bodyPr/>
           <a:lstStyle/>
           <a:p>
-            <a:endParaRPr lang="en-US"/>
+            <a:endParaRPr lang="en-US" dirty="0"/>
           </a:p>
         </p:txBody>
       </p:sp>
@@ -2202,7 +2208,7 @@
               <a:rPr lang="en-US" smtClean="0"/>
               <a:t>‹#›</a:t>
             </a:fld>
-            <a:endParaRPr lang="en-US"/>
+            <a:endParaRPr lang="en-US" dirty="0"/>
           </a:p>
         </p:txBody>
       </p:sp>
@@ -2340,9 +2346,9 @@
           <a:p>
             <a:fld id="{6A4B53A7-3209-46A6-9454-F38EAC8F11E7}" type="datetimeFigureOut">
               <a:rPr lang="en-US" smtClean="0"/>
-              <a:t>10/22/2020</a:t>
+              <a:t>10/24/2020</a:t>
             </a:fld>
-            <a:endParaRPr lang="en-US"/>
+            <a:endParaRPr lang="en-US" dirty="0"/>
           </a:p>
         </p:txBody>
       </p:sp>
@@ -2367,7 +2373,7 @@
           <a:bodyPr/>
           <a:lstStyle/>
           <a:p>
-            <a:endParaRPr lang="en-US"/>
+            <a:endParaRPr lang="en-US" dirty="0"/>
           </a:p>
         </p:txBody>
       </p:sp>
@@ -2396,7 +2402,7 @@
               <a:rPr lang="en-US" smtClean="0"/>
               <a:t>‹#›</a:t>
             </a:fld>
-            <a:endParaRPr lang="en-US"/>
+            <a:endParaRPr lang="en-US" dirty="0"/>
           </a:p>
         </p:txBody>
       </p:sp>
@@ -2506,9 +2512,9 @@
           <a:p>
             <a:fld id="{6A4B53A7-3209-46A6-9454-F38EAC8F11E7}" type="datetimeFigureOut">
               <a:rPr lang="en-US" smtClean="0"/>
-              <a:t>10/22/2020</a:t>
+              <a:t>10/24/2020</a:t>
             </a:fld>
-            <a:endParaRPr lang="en-US"/>
+            <a:endParaRPr lang="en-US" dirty="0"/>
           </a:p>
         </p:txBody>
       </p:sp>
@@ -2533,7 +2539,7 @@
           <a:bodyPr/>
           <a:lstStyle/>
           <a:p>
-            <a:endParaRPr lang="en-US"/>
+            <a:endParaRPr lang="en-US" dirty="0"/>
           </a:p>
         </p:txBody>
       </p:sp>
@@ -2562,7 +2568,7 @@
               <a:rPr lang="en-US" smtClean="0"/>
               <a:t>‹#›</a:t>
             </a:fld>
-            <a:endParaRPr lang="en-US"/>
+            <a:endParaRPr lang="en-US" dirty="0"/>
           </a:p>
         </p:txBody>
       </p:sp>
@@ -2870,9 +2876,9 @@
           <a:p>
             <a:fld id="{6A4B53A7-3209-46A6-9454-F38EAC8F11E7}" type="datetimeFigureOut">
               <a:rPr lang="en-US" smtClean="0"/>
-              <a:t>10/22/2020</a:t>
+              <a:t>10/24/2020</a:t>
             </a:fld>
-            <a:endParaRPr lang="en-US"/>
+            <a:endParaRPr lang="en-US" dirty="0"/>
           </a:p>
         </p:txBody>
       </p:sp>
@@ -2897,7 +2903,7 @@
           <a:bodyPr/>
           <a:lstStyle/>
           <a:p>
-            <a:endParaRPr lang="en-US"/>
+            <a:endParaRPr lang="en-US" dirty="0"/>
           </a:p>
         </p:txBody>
       </p:sp>
@@ -2926,7 +2932,7 @@
               <a:rPr lang="en-US" smtClean="0"/>
               <a:t>‹#›</a:t>
             </a:fld>
-            <a:endParaRPr lang="en-US"/>
+            <a:endParaRPr lang="en-US" dirty="0"/>
           </a:p>
         </p:txBody>
       </p:sp>
@@ -3114,7 +3120,7 @@
           </a:lstStyle>
           <a:p>
             <a:r>
-              <a:rPr lang="en-US"/>
+              <a:rPr lang="en-US" dirty="0"/>
               <a:t>Click icon to add picture</a:t>
             </a:r>
           </a:p>
@@ -3214,9 +3220,9 @@
           <a:p>
             <a:fld id="{6A4B53A7-3209-46A6-9454-F38EAC8F11E7}" type="datetimeFigureOut">
               <a:rPr lang="en-US" smtClean="0"/>
-              <a:t>10/22/2020</a:t>
+              <a:t>10/24/2020</a:t>
             </a:fld>
-            <a:endParaRPr lang="en-US"/>
+            <a:endParaRPr lang="en-US" dirty="0"/>
           </a:p>
         </p:txBody>
       </p:sp>
@@ -3241,7 +3247,7 @@
           <a:bodyPr/>
           <a:lstStyle/>
           <a:p>
-            <a:endParaRPr lang="en-US"/>
+            <a:endParaRPr lang="en-US" dirty="0"/>
           </a:p>
         </p:txBody>
       </p:sp>
@@ -3270,7 +3276,7 @@
               <a:rPr lang="en-US" smtClean="0"/>
               <a:t>‹#›</a:t>
             </a:fld>
-            <a:endParaRPr lang="en-US"/>
+            <a:endParaRPr lang="en-US" dirty="0"/>
           </a:p>
         </p:txBody>
       </p:sp>
@@ -3509,7 +3515,7 @@
             <a:fld id="{6A4B53A7-3209-46A6-9454-F38EAC8F11E7}" type="datetimeFigureOut">
               <a:rPr lang="en-US" smtClean="0"/>
               <a:pPr/>
-              <a:t>10/22/2020</a:t>
+              <a:t>10/24/2020</a:t>
             </a:fld>
             <a:endParaRPr lang="en-US" dirty="0"/>
           </a:p>
@@ -3554,7 +3560,7 @@
             </a:lvl1pPr>
           </a:lstStyle>
           <a:p>
-            <a:endParaRPr lang="en-US"/>
+            <a:endParaRPr lang="en-US" dirty="0"/>
           </a:p>
         </p:txBody>
       </p:sp>
@@ -3602,7 +3608,7 @@
               <a:pPr/>
               <a:t>‹#›</a:t>
             </a:fld>
-            <a:endParaRPr lang="en-US"/>
+            <a:endParaRPr lang="en-US" dirty="0"/>
           </a:p>
         </p:txBody>
       </p:sp>
@@ -4003,7 +4009,7 @@
           <a:lstStyle/>
           <a:p>
             <a:pPr algn="ctr"/>
-            <a:endParaRPr lang="en-US"/>
+            <a:endParaRPr lang="en-US" dirty="0"/>
           </a:p>
         </p:txBody>
       </p:sp>
@@ -4025,8 +4031,8 @@
         </p:nvSpPr>
         <p:spPr>
           <a:xfrm>
-            <a:off x="838200" y="582171"/>
-            <a:ext cx="4076460" cy="3626217"/>
+            <a:off x="838200" y="582172"/>
+            <a:ext cx="4076460" cy="3223300"/>
           </a:xfrm>
         </p:spPr>
         <p:txBody>
@@ -4042,7 +4048,7 @@
                   <a:schemeClr val="bg1"/>
                 </a:solidFill>
               </a:rPr>
-              <a:t>Birds</a:t>
+              <a:t>Birds and PLanes</a:t>
             </a:r>
           </a:p>
         </p:txBody>
@@ -4065,8 +4071,8 @@
         </p:nvSpPr>
         <p:spPr>
           <a:xfrm>
-            <a:off x="793159" y="4389129"/>
-            <a:ext cx="4076458" cy="1771522"/>
+            <a:off x="793159" y="4110611"/>
+            <a:ext cx="4517072" cy="2050040"/>
           </a:xfrm>
         </p:spPr>
         <p:txBody>
@@ -4075,106 +4081,23 @@
           </a:bodyPr>
           <a:lstStyle/>
           <a:p>
-            <a:pPr algn="r"/>
-            <a:r>
-              <a:rPr lang="en-US" sz="1500" dirty="0">
+            <a:r>
+              <a:rPr lang="en-US" sz="1800" dirty="0">
                 <a:solidFill>
                   <a:schemeClr val="bg1"/>
                 </a:solidFill>
               </a:rPr>
-              <a:t>Presented by:</a:t>
-            </a:r>
-          </a:p>
-          <a:p>
-            <a:pPr algn="r"/>
-            <a:r>
-              <a:rPr lang="en-US" sz="1500" dirty="0">
+              <a:t>Presented by The Combat Wombats</a:t>
+            </a:r>
+          </a:p>
+          <a:p>
+            <a:r>
+              <a:rPr lang="en-US" sz="1800" dirty="0">
                 <a:solidFill>
                   <a:schemeClr val="bg1"/>
                 </a:solidFill>
               </a:rPr>
-              <a:t>Combat Wombats</a:t>
-            </a:r>
-          </a:p>
-          <a:p>
-            <a:pPr algn="r"/>
-            <a:r>
-              <a:rPr lang="en-US" sz="1500" dirty="0">
-                <a:solidFill>
-                  <a:schemeClr val="bg1"/>
-                </a:solidFill>
-              </a:rPr>
-              <a:t>(Joe </a:t>
-            </a:r>
-            <a:r>
-              <a:rPr lang="en-US" sz="1500" dirty="0" err="1">
-                <a:solidFill>
-                  <a:schemeClr val="bg1"/>
-                </a:solidFill>
-              </a:rPr>
-              <a:t>Lubrano</a:t>
-            </a:r>
-            <a:r>
-              <a:rPr lang="en-US" sz="1500" dirty="0">
-                <a:solidFill>
-                  <a:schemeClr val="bg1"/>
-                </a:solidFill>
-              </a:rPr>
-              <a:t>, Kevin Lam,</a:t>
-            </a:r>
-          </a:p>
-          <a:p>
-            <a:pPr algn="r"/>
-            <a:r>
-              <a:rPr lang="en-US" sz="1500" dirty="0">
-                <a:solidFill>
-                  <a:schemeClr val="bg1"/>
-                </a:solidFill>
-              </a:rPr>
-              <a:t>Rafael Rodriguez, </a:t>
-            </a:r>
-            <a:r>
-              <a:rPr lang="en-US" sz="1500" dirty="0" err="1">
-                <a:solidFill>
-                  <a:schemeClr val="bg1"/>
-                </a:solidFill>
-              </a:rPr>
-              <a:t>Ramyata</a:t>
-            </a:r>
-            <a:r>
-              <a:rPr lang="en-US" sz="1500" dirty="0">
-                <a:solidFill>
-                  <a:schemeClr val="bg1"/>
-                </a:solidFill>
-              </a:rPr>
-              <a:t> </a:t>
-            </a:r>
-            <a:r>
-              <a:rPr lang="en-US" sz="1500" dirty="0" err="1">
-                <a:solidFill>
-                  <a:schemeClr val="bg1"/>
-                </a:solidFill>
-              </a:rPr>
-              <a:t>Upmaka</a:t>
-            </a:r>
-            <a:r>
-              <a:rPr lang="en-US" sz="1500" dirty="0">
-                <a:solidFill>
-                  <a:schemeClr val="bg1"/>
-                </a:solidFill>
-              </a:rPr>
-              <a:t>,</a:t>
-            </a:r>
-          </a:p>
-          <a:p>
-            <a:pPr algn="r"/>
-            <a:r>
-              <a:rPr lang="en-US" sz="1500" dirty="0">
-                <a:solidFill>
-                  <a:schemeClr val="bg1"/>
-                </a:solidFill>
-              </a:rPr>
-              <a:t>TOM)</a:t>
+              <a:t>Joe Lubrano, Kevin Lam, Rafael Rodriguez, Ramyata Upmaka, Rongjun Ding</a:t>
             </a:r>
           </a:p>
         </p:txBody>
@@ -4424,7 +4347,7 @@
           <a:bodyPr rtlCol="0" anchor="ctr"/>
           <a:lstStyle/>
           <a:p>
-            <a:endParaRPr lang="en-US"/>
+            <a:endParaRPr lang="en-US" dirty="0"/>
           </a:p>
         </p:txBody>
       </p:sp>
@@ -4531,7 +4454,7 @@
           <a:bodyPr rtlCol="0" anchor="ctr"/>
           <a:lstStyle/>
           <a:p>
-            <a:endParaRPr lang="en-US"/>
+            <a:endParaRPr lang="en-US" dirty="0"/>
           </a:p>
         </p:txBody>
       </p:sp>
@@ -4645,44 +4568,39 @@
               <a:rPr lang="en-US" dirty="0"/>
               <a:t>Where do most bird strikes take place?</a:t>
             </a:r>
-            <a:br>
+          </a:p>
+        </p:txBody>
+      </p:sp>
+      <p:sp>
+        <p:nvSpPr>
+          <p:cNvPr id="3" name="Content Placeholder 2">
+            <a:extLst>
+              <a:ext uri="{FF2B5EF4-FFF2-40B4-BE49-F238E27FC236}">
+                <a16:creationId xmlns:a16="http://schemas.microsoft.com/office/drawing/2014/main" id="{B34080D1-8BE5-4FDF-BEC0-DD6FA0454D15}"/>
+              </a:ext>
+            </a:extLst>
+          </p:cNvPr>
+          <p:cNvSpPr>
+            <a:spLocks noGrp="1"/>
+          </p:cNvSpPr>
+          <p:nvPr>
+            <p:ph idx="1"/>
+          </p:nvPr>
+        </p:nvSpPr>
+        <p:spPr>
+          <a:xfrm>
+            <a:off x="838200" y="1456509"/>
+            <a:ext cx="3724564" cy="934353"/>
+          </a:xfrm>
+        </p:spPr>
+        <p:txBody>
+          <a:bodyPr/>
+          <a:lstStyle/>
+          <a:p>
+            <a:r>
               <a:rPr lang="en-US" dirty="0"/>
-            </a:br>
-            <a:r>
-              <a:rPr lang="en-US" dirty="0"/>
-              <a:t>(Contd.)</a:t>
-            </a:r>
-          </a:p>
-        </p:txBody>
-      </p:sp>
-      <p:sp>
-        <p:nvSpPr>
-          <p:cNvPr id="3" name="Content Placeholder 2">
-            <a:extLst>
-              <a:ext uri="{FF2B5EF4-FFF2-40B4-BE49-F238E27FC236}">
-                <a16:creationId xmlns:a16="http://schemas.microsoft.com/office/drawing/2014/main" id="{B34080D1-8BE5-4FDF-BEC0-DD6FA0454D15}"/>
-              </a:ext>
-            </a:extLst>
-          </p:cNvPr>
-          <p:cNvSpPr>
-            <a:spLocks noGrp="1"/>
-          </p:cNvSpPr>
-          <p:nvPr>
-            <p:ph idx="1"/>
-          </p:nvPr>
-        </p:nvSpPr>
-        <p:spPr/>
-        <p:txBody>
-          <a:bodyPr/>
-          <a:lstStyle/>
-          <a:p>
-            <a:r>
-              <a:rPr lang="en-US" dirty="0"/>
-              <a:t>Heatmap of top 100 airports in the U.S.</a:t>
-            </a:r>
-          </a:p>
-          <a:p>
-            <a:endParaRPr lang="en-US" dirty="0"/>
+              <a:t>FAA Region: ASO (Southern Region)</a:t>
+            </a:r>
           </a:p>
           <a:p>
             <a:pPr marL="0" indent="0">
@@ -4692,10 +4610,141 @@
           </a:p>
         </p:txBody>
       </p:sp>
+      <p:pic>
+        <p:nvPicPr>
+          <p:cNvPr id="5" name="Picture 4" descr="Chart, bar chart&#10;&#10;Description automatically generated">
+            <a:extLst>
+              <a:ext uri="{FF2B5EF4-FFF2-40B4-BE49-F238E27FC236}">
+                <a16:creationId xmlns:a16="http://schemas.microsoft.com/office/drawing/2014/main" id="{3E7580F9-DB9E-4DEF-9361-96DDC451F54D}"/>
+              </a:ext>
+            </a:extLst>
+          </p:cNvPr>
+          <p:cNvPicPr>
+            <a:picLocks noChangeAspect="1"/>
+          </p:cNvPicPr>
+          <p:nvPr/>
+        </p:nvPicPr>
+        <p:blipFill>
+          <a:blip r:embed="rId2">
+            <a:extLst>
+              <a:ext uri="{28A0092B-C50C-407E-A947-70E740481C1C}">
+                <a14:useLocalDpi xmlns:a14="http://schemas.microsoft.com/office/drawing/2010/main" val="0"/>
+              </a:ext>
+            </a:extLst>
+          </a:blip>
+          <a:stretch>
+            <a:fillRect/>
+          </a:stretch>
+        </p:blipFill>
+        <p:spPr>
+          <a:xfrm>
+            <a:off x="6743902" y="1605866"/>
+            <a:ext cx="5196789" cy="5107361"/>
+          </a:xfrm>
+          <a:prstGeom prst="rect">
+            <a:avLst/>
+          </a:prstGeom>
+        </p:spPr>
+      </p:pic>
+      <p:pic>
+        <p:nvPicPr>
+          <p:cNvPr id="7" name="Picture 2" descr="FAA Runway Safety Group – Service Areas &amp; Regional Offices">
+            <a:extLst>
+              <a:ext uri="{FF2B5EF4-FFF2-40B4-BE49-F238E27FC236}">
+                <a16:creationId xmlns:a16="http://schemas.microsoft.com/office/drawing/2014/main" id="{1ABFD1C4-7DB0-4228-A50D-DC0F78550955}"/>
+              </a:ext>
+            </a:extLst>
+          </p:cNvPr>
+          <p:cNvPicPr>
+            <a:picLocks noChangeAspect="1" noChangeArrowheads="1"/>
+          </p:cNvPicPr>
+          <p:nvPr/>
+        </p:nvPicPr>
+        <p:blipFill>
+          <a:blip r:embed="rId3">
+            <a:extLst>
+              <a:ext uri="{28A0092B-C50C-407E-A947-70E740481C1C}">
+                <a14:useLocalDpi xmlns:a14="http://schemas.microsoft.com/office/drawing/2010/main" val="0"/>
+              </a:ext>
+            </a:extLst>
+          </a:blip>
+          <a:srcRect/>
+          <a:stretch>
+            <a:fillRect/>
+          </a:stretch>
+        </p:blipFill>
+        <p:spPr bwMode="auto">
+          <a:xfrm>
+            <a:off x="838200" y="2201707"/>
+            <a:ext cx="5715000" cy="4000500"/>
+          </a:xfrm>
+          <a:prstGeom prst="rect">
+            <a:avLst/>
+          </a:prstGeom>
+          <a:noFill/>
+          <a:extLst>
+            <a:ext uri="{909E8E84-426E-40DD-AFC4-6F175D3DCCD1}">
+              <a14:hiddenFill xmlns:a14="http://schemas.microsoft.com/office/drawing/2010/main">
+                <a:solidFill>
+                  <a:srgbClr val="FFFFFF"/>
+                </a:solidFill>
+              </a14:hiddenFill>
+            </a:ext>
+          </a:extLst>
+        </p:spPr>
+      </p:pic>
+      <p:sp>
+        <p:nvSpPr>
+          <p:cNvPr id="9" name="Rectangle 8">
+            <a:extLst>
+              <a:ext uri="{FF2B5EF4-FFF2-40B4-BE49-F238E27FC236}">
+                <a16:creationId xmlns:a16="http://schemas.microsoft.com/office/drawing/2014/main" id="{A5259BD9-1835-4AAD-AF43-F7A8165F55DA}"/>
+              </a:ext>
+            </a:extLst>
+          </p:cNvPr>
+          <p:cNvSpPr/>
+          <p:nvPr/>
+        </p:nvSpPr>
+        <p:spPr>
+          <a:xfrm>
+            <a:off x="7441035" y="1857030"/>
+            <a:ext cx="545284" cy="4761883"/>
+          </a:xfrm>
+          <a:prstGeom prst="rect">
+            <a:avLst/>
+          </a:prstGeom>
+          <a:noFill/>
+          <a:ln w="38100"/>
+        </p:spPr>
+        <p:style>
+          <a:lnRef idx="2">
+            <a:schemeClr val="accent1">
+              <a:shade val="50000"/>
+            </a:schemeClr>
+          </a:lnRef>
+          <a:fillRef idx="1">
+            <a:schemeClr val="accent1"/>
+          </a:fillRef>
+          <a:effectRef idx="0">
+            <a:schemeClr val="accent1"/>
+          </a:effectRef>
+          <a:fontRef idx="minor">
+            <a:schemeClr val="lt1"/>
+          </a:fontRef>
+        </p:style>
+        <p:txBody>
+          <a:bodyPr rtlCol="0" anchor="ctr"/>
+          <a:lstStyle/>
+          <a:p>
+            <a:pPr algn="ctr"/>
+            <a:endParaRPr lang="en-US" dirty="0"/>
+          </a:p>
+        </p:txBody>
+      </p:sp>
     </p:spTree>
     <p:extLst>
       <p:ext uri="{BB962C8B-B14F-4D97-AF65-F5344CB8AC3E}">
-        <p14:creationId xmlns:p14="http://schemas.microsoft.com/office/powerpoint/2010/main" val="1713790656"/>
+        <p14:creationId xmlns:p14="http://schemas.microsoft.com/office/powerpoint/2010/main" val="284372261"/>
       </p:ext>
     </p:extLst>
   </p:cSld>
@@ -4727,7 +4776,7 @@
           <p:cNvPr id="2" name="Title 1">
             <a:extLst>
               <a:ext uri="{FF2B5EF4-FFF2-40B4-BE49-F238E27FC236}">
-                <a16:creationId xmlns:a16="http://schemas.microsoft.com/office/drawing/2014/main" id="{951C35FC-35F0-4F0E-8D28-8926EC740B74}"/>
+                <a16:creationId xmlns:a16="http://schemas.microsoft.com/office/drawing/2014/main" id="{2F06ABD3-A5BD-411B-BC27-E12273E13720}"/>
               </a:ext>
             </a:extLst>
           </p:cNvPr>
@@ -4740,62 +4789,55 @@
         </p:nvSpPr>
         <p:spPr/>
         <p:txBody>
-          <a:bodyPr>
-            <a:normAutofit/>
-          </a:bodyPr>
+          <a:bodyPr/>
           <a:lstStyle/>
           <a:p>
             <a:r>
               <a:rPr lang="en-US" dirty="0"/>
-              <a:t>Which part of the plane has the most bird strikes? - RU</a:t>
-            </a:r>
-          </a:p>
-        </p:txBody>
-      </p:sp>
-      <p:sp>
-        <p:nvSpPr>
-          <p:cNvPr id="3" name="Content Placeholder 2">
-            <a:extLst>
-              <a:ext uri="{FF2B5EF4-FFF2-40B4-BE49-F238E27FC236}">
-                <a16:creationId xmlns:a16="http://schemas.microsoft.com/office/drawing/2014/main" id="{B34080D1-8BE5-4FDF-BEC0-DD6FA0454D15}"/>
-              </a:ext>
-            </a:extLst>
-          </p:cNvPr>
-          <p:cNvSpPr>
-            <a:spLocks noGrp="1"/>
-          </p:cNvSpPr>
+              <a:t>States with the most bird strikes</a:t>
+            </a:r>
+          </a:p>
+        </p:txBody>
+      </p:sp>
+      <p:pic>
+        <p:nvPicPr>
+          <p:cNvPr id="7" name="Content Placeholder 6" descr="Chart, bar chart&#10;&#10;Description automatically generated">
+            <a:extLst>
+              <a:ext uri="{FF2B5EF4-FFF2-40B4-BE49-F238E27FC236}">
+                <a16:creationId xmlns:a16="http://schemas.microsoft.com/office/drawing/2014/main" id="{D93B79E7-F547-4444-983B-9489DFAC522B}"/>
+              </a:ext>
+            </a:extLst>
+          </p:cNvPr>
+          <p:cNvPicPr>
+            <a:picLocks noGrp="1" noChangeAspect="1"/>
+          </p:cNvPicPr>
           <p:nvPr>
             <p:ph idx="1"/>
           </p:nvPr>
-        </p:nvSpPr>
-        <p:spPr/>
-        <p:txBody>
-          <a:bodyPr/>
-          <a:lstStyle/>
-          <a:p>
-            <a:r>
-              <a:rPr lang="en-US" dirty="0"/>
-              <a:t>Part</a:t>
-            </a:r>
-          </a:p>
-          <a:p>
-            <a:r>
-              <a:rPr lang="en-US" dirty="0"/>
-              <a:t>% of time an “engine” is hit, that led to injuries and fatalities</a:t>
-            </a:r>
-          </a:p>
-          <a:p>
-            <a:pPr marL="0" indent="0">
-              <a:buNone/>
-            </a:pPr>
-            <a:endParaRPr lang="en-US" dirty="0"/>
-          </a:p>
-        </p:txBody>
-      </p:sp>
+        </p:nvPicPr>
+        <p:blipFill>
+          <a:blip r:embed="rId2">
+            <a:extLst>
+              <a:ext uri="{28A0092B-C50C-407E-A947-70E740481C1C}">
+                <a14:useLocalDpi xmlns:a14="http://schemas.microsoft.com/office/drawing/2010/main" val="0"/>
+              </a:ext>
+            </a:extLst>
+          </a:blip>
+          <a:stretch>
+            <a:fillRect/>
+          </a:stretch>
+        </p:blipFill>
+        <p:spPr>
+          <a:xfrm>
+            <a:off x="1706113" y="1477818"/>
+            <a:ext cx="9026541" cy="5132348"/>
+          </a:xfrm>
+        </p:spPr>
+      </p:pic>
     </p:spTree>
     <p:extLst>
       <p:ext uri="{BB962C8B-B14F-4D97-AF65-F5344CB8AC3E}">
-        <p14:creationId xmlns:p14="http://schemas.microsoft.com/office/powerpoint/2010/main" val="3491993291"/>
+        <p14:creationId xmlns:p14="http://schemas.microsoft.com/office/powerpoint/2010/main" val="998221943"/>
       </p:ext>
     </p:extLst>
   </p:cSld>
@@ -4827,7 +4869,7 @@
           <p:cNvPr id="2" name="Title 1">
             <a:extLst>
               <a:ext uri="{FF2B5EF4-FFF2-40B4-BE49-F238E27FC236}">
-                <a16:creationId xmlns:a16="http://schemas.microsoft.com/office/drawing/2014/main" id="{951C35FC-35F0-4F0E-8D28-8926EC740B74}"/>
+                <a16:creationId xmlns:a16="http://schemas.microsoft.com/office/drawing/2014/main" id="{F0DDB40E-FED6-4C9C-A0FC-C861BC5F7DC6}"/>
               </a:ext>
             </a:extLst>
           </p:cNvPr>
@@ -4840,53 +4882,189 @@
         </p:nvSpPr>
         <p:spPr/>
         <p:txBody>
-          <a:bodyPr>
-            <a:normAutofit/>
+          <a:bodyPr/>
+          <a:lstStyle/>
+          <a:p>
+            <a:r>
+              <a:rPr lang="en-US" dirty="0"/>
+              <a:t>Correlation between airport latitude and longitude and bird strikes</a:t>
+            </a:r>
+          </a:p>
+        </p:txBody>
+      </p:sp>
+      <p:pic>
+        <p:nvPicPr>
+          <p:cNvPr id="5" name="Content Placeholder 4" descr="Chart, scatter chart&#10;&#10;Description automatically generated">
+            <a:extLst>
+              <a:ext uri="{FF2B5EF4-FFF2-40B4-BE49-F238E27FC236}">
+                <a16:creationId xmlns:a16="http://schemas.microsoft.com/office/drawing/2014/main" id="{DAC7B52F-4B6D-41B7-970C-E42459B40FFA}"/>
+              </a:ext>
+            </a:extLst>
+          </p:cNvPr>
+          <p:cNvPicPr>
+            <a:picLocks noGrp="1" noChangeAspect="1"/>
+          </p:cNvPicPr>
+          <p:nvPr>
+            <p:ph idx="1"/>
+          </p:nvPr>
+        </p:nvPicPr>
+        <p:blipFill>
+          <a:blip r:embed="rId2">
+            <a:extLst>
+              <a:ext uri="{28A0092B-C50C-407E-A947-70E740481C1C}">
+                <a14:useLocalDpi xmlns:a14="http://schemas.microsoft.com/office/drawing/2010/main" val="0"/>
+              </a:ext>
+            </a:extLst>
+          </a:blip>
+          <a:stretch>
+            <a:fillRect/>
+          </a:stretch>
+        </p:blipFill>
+        <p:spPr>
+          <a:xfrm>
+            <a:off x="6532074" y="2092855"/>
+            <a:ext cx="4961267" cy="3491728"/>
+          </a:xfrm>
+        </p:spPr>
+      </p:pic>
+      <p:pic>
+        <p:nvPicPr>
+          <p:cNvPr id="9" name="Picture 8" descr="Chart, scatter chart&#10;&#10;Description automatically generated">
+            <a:extLst>
+              <a:ext uri="{FF2B5EF4-FFF2-40B4-BE49-F238E27FC236}">
+                <a16:creationId xmlns:a16="http://schemas.microsoft.com/office/drawing/2014/main" id="{7553B5C8-B335-44F7-95B9-EE0A5783C013}"/>
+              </a:ext>
+            </a:extLst>
+          </p:cNvPr>
+          <p:cNvPicPr>
+            <a:picLocks noChangeAspect="1"/>
+          </p:cNvPicPr>
+          <p:nvPr/>
+        </p:nvPicPr>
+        <p:blipFill>
+          <a:blip r:embed="rId3">
+            <a:extLst>
+              <a:ext uri="{28A0092B-C50C-407E-A947-70E740481C1C}">
+                <a14:useLocalDpi xmlns:a14="http://schemas.microsoft.com/office/drawing/2010/main" val="0"/>
+              </a:ext>
+            </a:extLst>
+          </a:blip>
+          <a:stretch>
+            <a:fillRect/>
+          </a:stretch>
+        </p:blipFill>
+        <p:spPr>
+          <a:xfrm>
+            <a:off x="1156880" y="2061994"/>
+            <a:ext cx="5081145" cy="3522589"/>
+          </a:xfrm>
+          <a:prstGeom prst="rect">
+            <a:avLst/>
+          </a:prstGeom>
+        </p:spPr>
+      </p:pic>
+      <p:sp>
+        <p:nvSpPr>
+          <p:cNvPr id="12" name="TextBox 11">
+            <a:extLst>
+              <a:ext uri="{FF2B5EF4-FFF2-40B4-BE49-F238E27FC236}">
+                <a16:creationId xmlns:a16="http://schemas.microsoft.com/office/drawing/2014/main" id="{29A5568F-EFF8-4983-BDED-BFA7534C6164}"/>
+              </a:ext>
+            </a:extLst>
+          </p:cNvPr>
+          <p:cNvSpPr txBox="1"/>
+          <p:nvPr/>
+        </p:nvSpPr>
+        <p:spPr>
+          <a:xfrm>
+            <a:off x="1375794" y="5584583"/>
+            <a:ext cx="4720206" cy="923330"/>
+          </a:xfrm>
+          <a:prstGeom prst="rect">
+            <a:avLst/>
+          </a:prstGeom>
+          <a:noFill/>
+        </p:spPr>
+        <p:txBody>
+          <a:bodyPr wrap="square" rtlCol="0">
+            <a:spAutoFit/>
           </a:bodyPr>
           <a:lstStyle/>
           <a:p>
             <a:r>
               <a:rPr lang="en-US" dirty="0"/>
-              <a:t>At what time of day do the most bird strikes happen?</a:t>
-            </a:r>
-          </a:p>
-        </p:txBody>
-      </p:sp>
-      <p:sp>
-        <p:nvSpPr>
-          <p:cNvPr id="3" name="Content Placeholder 2">
-            <a:extLst>
-              <a:ext uri="{FF2B5EF4-FFF2-40B4-BE49-F238E27FC236}">
-                <a16:creationId xmlns:a16="http://schemas.microsoft.com/office/drawing/2014/main" id="{B34080D1-8BE5-4FDF-BEC0-DD6FA0454D15}"/>
-              </a:ext>
-            </a:extLst>
-          </p:cNvPr>
-          <p:cNvSpPr>
-            <a:spLocks noGrp="1"/>
-          </p:cNvSpPr>
-          <p:nvPr>
-            <p:ph idx="1"/>
-          </p:nvPr>
-        </p:nvSpPr>
-        <p:spPr/>
-        <p:txBody>
-          <a:bodyPr/>
-          <a:lstStyle/>
-          <a:p>
+              <a:t>r</a:t>
+            </a:r>
+            <a:r>
+              <a:rPr lang="en-US" baseline="30000" dirty="0"/>
+              <a:t>2 </a:t>
+            </a:r>
             <a:r>
               <a:rPr lang="en-US" dirty="0"/>
-              <a:t>Visibility (dawn, day, dusk, night)</a:t>
-            </a:r>
-          </a:p>
-          <a:p>
-            <a:endParaRPr lang="en-US" dirty="0"/>
+              <a:t>= 0.003, p-value = 0.56</a:t>
+            </a:r>
+          </a:p>
+          <a:p>
+            <a:r>
+              <a:rPr lang="en-US" dirty="0"/>
+              <a:t>p-value &gt;0.05, latitude does not have a significant effect on bird strikes </a:t>
+            </a:r>
+          </a:p>
+        </p:txBody>
+      </p:sp>
+      <p:sp>
+        <p:nvSpPr>
+          <p:cNvPr id="14" name="TextBox 13">
+            <a:extLst>
+              <a:ext uri="{FF2B5EF4-FFF2-40B4-BE49-F238E27FC236}">
+                <a16:creationId xmlns:a16="http://schemas.microsoft.com/office/drawing/2014/main" id="{3E1E17ED-A31B-4D45-82A2-3903FB3D543E}"/>
+              </a:ext>
+            </a:extLst>
+          </p:cNvPr>
+          <p:cNvSpPr txBox="1"/>
+          <p:nvPr/>
+        </p:nvSpPr>
+        <p:spPr>
+          <a:xfrm>
+            <a:off x="6989427" y="5584583"/>
+            <a:ext cx="4720206" cy="923330"/>
+          </a:xfrm>
+          <a:prstGeom prst="rect">
+            <a:avLst/>
+          </a:prstGeom>
+          <a:noFill/>
+        </p:spPr>
+        <p:txBody>
+          <a:bodyPr wrap="square" rtlCol="0">
+            <a:spAutoFit/>
+          </a:bodyPr>
+          <a:lstStyle/>
+          <a:p>
+            <a:r>
+              <a:rPr lang="en-US" dirty="0"/>
+              <a:t>r</a:t>
+            </a:r>
+            <a:r>
+              <a:rPr lang="en-US" baseline="30000" dirty="0"/>
+              <a:t>2 </a:t>
+            </a:r>
+            <a:r>
+              <a:rPr lang="en-US" dirty="0"/>
+              <a:t>= 0.002, p-value = 0.65</a:t>
+            </a:r>
+          </a:p>
+          <a:p>
+            <a:r>
+              <a:rPr lang="en-US" dirty="0"/>
+              <a:t>p-value &gt;0.05, longitude does not have a significant effect on bird strikes </a:t>
+            </a:r>
           </a:p>
         </p:txBody>
       </p:sp>
     </p:spTree>
     <p:extLst>
       <p:ext uri="{BB962C8B-B14F-4D97-AF65-F5344CB8AC3E}">
-        <p14:creationId xmlns:p14="http://schemas.microsoft.com/office/powerpoint/2010/main" val="2770721454"/>
+        <p14:creationId xmlns:p14="http://schemas.microsoft.com/office/powerpoint/2010/main" val="2628373867"/>
       </p:ext>
     </p:extLst>
   </p:cSld>
@@ -4918,7 +5096,7 @@
           <p:cNvPr id="2" name="Title 1">
             <a:extLst>
               <a:ext uri="{FF2B5EF4-FFF2-40B4-BE49-F238E27FC236}">
-                <a16:creationId xmlns:a16="http://schemas.microsoft.com/office/drawing/2014/main" id="{951C35FC-35F0-4F0E-8D28-8926EC740B74}"/>
+                <a16:creationId xmlns:a16="http://schemas.microsoft.com/office/drawing/2014/main" id="{7581F1F6-700A-47BE-930E-A8E34DE49500}"/>
               </a:ext>
             </a:extLst>
           </p:cNvPr>
@@ -4932,49 +5110,56 @@
         <p:spPr/>
         <p:txBody>
           <a:bodyPr>
-            <a:normAutofit/>
+            <a:normAutofit fontScale="90000"/>
           </a:bodyPr>
           <a:lstStyle/>
           <a:p>
             <a:r>
               <a:rPr lang="en-US" dirty="0"/>
-              <a:t>Which weather conditions lead to the most bird strikes?</a:t>
-            </a:r>
-          </a:p>
-        </p:txBody>
-      </p:sp>
-      <p:sp>
-        <p:nvSpPr>
-          <p:cNvPr id="3" name="Content Placeholder 2">
-            <a:extLst>
-              <a:ext uri="{FF2B5EF4-FFF2-40B4-BE49-F238E27FC236}">
-                <a16:creationId xmlns:a16="http://schemas.microsoft.com/office/drawing/2014/main" id="{B34080D1-8BE5-4FDF-BEC0-DD6FA0454D15}"/>
-              </a:ext>
-            </a:extLst>
-          </p:cNvPr>
-          <p:cNvSpPr>
-            <a:spLocks noGrp="1"/>
-          </p:cNvSpPr>
+              <a:t>Top 100 airports across the 50 states in the U.S. with bird strikes from 1990-2015</a:t>
+            </a:r>
+          </a:p>
+        </p:txBody>
+      </p:sp>
+      <p:pic>
+        <p:nvPicPr>
+          <p:cNvPr id="5" name="Content Placeholder 4" descr="Map&#10;&#10;Description automatically generated">
+            <a:extLst>
+              <a:ext uri="{FF2B5EF4-FFF2-40B4-BE49-F238E27FC236}">
+                <a16:creationId xmlns:a16="http://schemas.microsoft.com/office/drawing/2014/main" id="{B9981ACB-A692-4DFA-AD8D-CF054042413F}"/>
+              </a:ext>
+            </a:extLst>
+          </p:cNvPr>
+          <p:cNvPicPr>
+            <a:picLocks noGrp="1" noChangeAspect="1"/>
+          </p:cNvPicPr>
           <p:nvPr>
             <p:ph idx="1"/>
           </p:nvPr>
-        </p:nvSpPr>
-        <p:spPr/>
-        <p:txBody>
-          <a:bodyPr/>
-          <a:lstStyle/>
-          <a:p>
-            <a:r>
-              <a:rPr lang="en-US" dirty="0"/>
-              <a:t>Precipitation (fog, rain, snow...)</a:t>
-            </a:r>
-          </a:p>
-        </p:txBody>
-      </p:sp>
+        </p:nvPicPr>
+        <p:blipFill>
+          <a:blip r:embed="rId2">
+            <a:extLst>
+              <a:ext uri="{28A0092B-C50C-407E-A947-70E740481C1C}">
+                <a14:useLocalDpi xmlns:a14="http://schemas.microsoft.com/office/drawing/2010/main" val="0"/>
+              </a:ext>
+            </a:extLst>
+          </a:blip>
+          <a:stretch>
+            <a:fillRect/>
+          </a:stretch>
+        </p:blipFill>
+        <p:spPr>
+          <a:xfrm>
+            <a:off x="1977161" y="1800458"/>
+            <a:ext cx="8237678" cy="4633694"/>
+          </a:xfrm>
+        </p:spPr>
+      </p:pic>
     </p:spTree>
     <p:extLst>
       <p:ext uri="{BB962C8B-B14F-4D97-AF65-F5344CB8AC3E}">
-        <p14:creationId xmlns:p14="http://schemas.microsoft.com/office/powerpoint/2010/main" val="1845193644"/>
+        <p14:creationId xmlns:p14="http://schemas.microsoft.com/office/powerpoint/2010/main" val="4097149125"/>
       </p:ext>
     </p:extLst>
   </p:cSld>
@@ -5026,17 +5211,179 @@
           <a:p>
             <a:r>
               <a:rPr lang="en-US" dirty="0"/>
-              <a:t>Observations</a:t>
-            </a:r>
-          </a:p>
-        </p:txBody>
-      </p:sp>
-      <p:sp>
-        <p:nvSpPr>
-          <p:cNvPr id="3" name="Content Placeholder 2">
-            <a:extLst>
-              <a:ext uri="{FF2B5EF4-FFF2-40B4-BE49-F238E27FC236}">
-                <a16:creationId xmlns:a16="http://schemas.microsoft.com/office/drawing/2014/main" id="{B34080D1-8BE5-4FDF-BEC0-DD6FA0454D15}"/>
+              <a:t>Which part of the plane has the most bird strikes? (Overall)</a:t>
+            </a:r>
+          </a:p>
+        </p:txBody>
+      </p:sp>
+      <p:pic>
+        <p:nvPicPr>
+          <p:cNvPr id="7" name="Picture 6" descr="Chart, bar chart&#10;&#10;Description automatically generated">
+            <a:extLst>
+              <a:ext uri="{FF2B5EF4-FFF2-40B4-BE49-F238E27FC236}">
+                <a16:creationId xmlns:a16="http://schemas.microsoft.com/office/drawing/2014/main" id="{01346742-65F4-4E61-925A-C4E26CC2C670}"/>
+              </a:ext>
+            </a:extLst>
+          </p:cNvPr>
+          <p:cNvPicPr>
+            <a:picLocks noChangeAspect="1"/>
+          </p:cNvPicPr>
+          <p:nvPr/>
+        </p:nvPicPr>
+        <p:blipFill>
+          <a:blip r:embed="rId2">
+            <a:extLst>
+              <a:ext uri="{28A0092B-C50C-407E-A947-70E740481C1C}">
+                <a14:useLocalDpi xmlns:a14="http://schemas.microsoft.com/office/drawing/2010/main" val="0"/>
+              </a:ext>
+            </a:extLst>
+          </a:blip>
+          <a:stretch>
+            <a:fillRect/>
+          </a:stretch>
+        </p:blipFill>
+        <p:spPr>
+          <a:xfrm>
+            <a:off x="1057712" y="1819712"/>
+            <a:ext cx="10076576" cy="5038288"/>
+          </a:xfrm>
+          <a:prstGeom prst="rect">
+            <a:avLst/>
+          </a:prstGeom>
+        </p:spPr>
+      </p:pic>
+      <p:sp>
+        <p:nvSpPr>
+          <p:cNvPr id="14" name="Rectangle 13">
+            <a:extLst>
+              <a:ext uri="{FF2B5EF4-FFF2-40B4-BE49-F238E27FC236}">
+                <a16:creationId xmlns:a16="http://schemas.microsoft.com/office/drawing/2014/main" id="{7F034D73-A7C2-4485-A2A1-EA6202A98F2E}"/>
+              </a:ext>
+            </a:extLst>
+          </p:cNvPr>
+          <p:cNvSpPr/>
+          <p:nvPr/>
+        </p:nvSpPr>
+        <p:spPr>
+          <a:xfrm>
+            <a:off x="2894202" y="2298583"/>
+            <a:ext cx="604007" cy="4194292"/>
+          </a:xfrm>
+          <a:prstGeom prst="rect">
+            <a:avLst/>
+          </a:prstGeom>
+          <a:noFill/>
+          <a:ln w="38100"/>
+        </p:spPr>
+        <p:style>
+          <a:lnRef idx="2">
+            <a:schemeClr val="accent1">
+              <a:shade val="50000"/>
+            </a:schemeClr>
+          </a:lnRef>
+          <a:fillRef idx="1">
+            <a:schemeClr val="accent1"/>
+          </a:fillRef>
+          <a:effectRef idx="0">
+            <a:schemeClr val="accent1"/>
+          </a:effectRef>
+          <a:fontRef idx="minor">
+            <a:schemeClr val="lt1"/>
+          </a:fontRef>
+        </p:style>
+        <p:txBody>
+          <a:bodyPr rtlCol="0" anchor="ctr"/>
+          <a:lstStyle/>
+          <a:p>
+            <a:pPr algn="ctr"/>
+            <a:endParaRPr lang="en-US" dirty="0"/>
+          </a:p>
+        </p:txBody>
+      </p:sp>
+      <p:sp>
+        <p:nvSpPr>
+          <p:cNvPr id="16" name="Rectangle 15">
+            <a:extLst>
+              <a:ext uri="{FF2B5EF4-FFF2-40B4-BE49-F238E27FC236}">
+                <a16:creationId xmlns:a16="http://schemas.microsoft.com/office/drawing/2014/main" id="{6E2FC4B2-9F3E-44DE-AA65-43EFF8EAD4F3}"/>
+              </a:ext>
+            </a:extLst>
+          </p:cNvPr>
+          <p:cNvSpPr/>
+          <p:nvPr/>
+        </p:nvSpPr>
+        <p:spPr>
+          <a:xfrm>
+            <a:off x="7115612" y="2298584"/>
+            <a:ext cx="604007" cy="4194292"/>
+          </a:xfrm>
+          <a:prstGeom prst="rect">
+            <a:avLst/>
+          </a:prstGeom>
+          <a:noFill/>
+          <a:ln w="38100"/>
+        </p:spPr>
+        <p:style>
+          <a:lnRef idx="2">
+            <a:schemeClr val="accent1">
+              <a:shade val="50000"/>
+            </a:schemeClr>
+          </a:lnRef>
+          <a:fillRef idx="1">
+            <a:schemeClr val="accent1"/>
+          </a:fillRef>
+          <a:effectRef idx="0">
+            <a:schemeClr val="accent1"/>
+          </a:effectRef>
+          <a:fontRef idx="minor">
+            <a:schemeClr val="lt1"/>
+          </a:fontRef>
+        </p:style>
+        <p:txBody>
+          <a:bodyPr rtlCol="0" anchor="ctr"/>
+          <a:lstStyle/>
+          <a:p>
+            <a:pPr algn="ctr"/>
+            <a:endParaRPr lang="en-US" dirty="0"/>
+          </a:p>
+        </p:txBody>
+      </p:sp>
+    </p:spTree>
+    <p:extLst>
+      <p:ext uri="{BB962C8B-B14F-4D97-AF65-F5344CB8AC3E}">
+        <p14:creationId xmlns:p14="http://schemas.microsoft.com/office/powerpoint/2010/main" val="3491993291"/>
+      </p:ext>
+    </p:extLst>
+  </p:cSld>
+  <p:clrMapOvr>
+    <a:masterClrMapping/>
+  </p:clrMapOvr>
+</p:sld>
+</file>
+
+<file path=ppt/slides/slide15.xml><?xml version="1.0" encoding="utf-8"?>
+<p:sld xmlns:a="http://schemas.openxmlformats.org/drawingml/2006/main" xmlns:r="http://schemas.openxmlformats.org/officeDocument/2006/relationships" xmlns:p="http://schemas.openxmlformats.org/presentationml/2006/main">
+  <p:cSld>
+    <p:spTree>
+      <p:nvGrpSpPr>
+        <p:cNvPr id="1" name=""/>
+        <p:cNvGrpSpPr/>
+        <p:nvPr/>
+      </p:nvGrpSpPr>
+      <p:grpSpPr>
+        <a:xfrm>
+          <a:off x="0" y="0"/>
+          <a:ext cx="0" cy="0"/>
+          <a:chOff x="0" y="0"/>
+          <a:chExt cx="0" cy="0"/>
+        </a:xfrm>
+      </p:grpSpPr>
+      <p:sp>
+        <p:nvSpPr>
+          <p:cNvPr id="2" name="Title 1">
+            <a:extLst>
+              <a:ext uri="{FF2B5EF4-FFF2-40B4-BE49-F238E27FC236}">
+                <a16:creationId xmlns:a16="http://schemas.microsoft.com/office/drawing/2014/main" id="{7D7418B1-DA4F-44DF-865A-ED579E669927}"/>
               </a:ext>
             </a:extLst>
           </p:cNvPr>
@@ -5044,7 +5391,247 @@
             <a:spLocks noGrp="1"/>
           </p:cNvSpPr>
           <p:nvPr>
-            <p:ph idx="1"/>
+            <p:ph type="title"/>
+          </p:nvPr>
+        </p:nvSpPr>
+        <p:spPr/>
+        <p:txBody>
+          <a:bodyPr>
+            <a:normAutofit fontScale="90000"/>
+          </a:bodyPr>
+          <a:lstStyle/>
+          <a:p>
+            <a:r>
+              <a:rPr lang="en-US" dirty="0"/>
+              <a:t>When injuries were reported, which part of the plane has the most bird strikes?</a:t>
+            </a:r>
+          </a:p>
+        </p:txBody>
+      </p:sp>
+      <p:pic>
+        <p:nvPicPr>
+          <p:cNvPr id="4" name="Content Placeholder 4" descr="Chart, waterfall chart&#10;&#10;Description automatically generated">
+            <a:extLst>
+              <a:ext uri="{FF2B5EF4-FFF2-40B4-BE49-F238E27FC236}">
+                <a16:creationId xmlns:a16="http://schemas.microsoft.com/office/drawing/2014/main" id="{96402C32-18F2-49D8-962A-5432F295C55A}"/>
+              </a:ext>
+            </a:extLst>
+          </p:cNvPr>
+          <p:cNvPicPr>
+            <a:picLocks noChangeAspect="1"/>
+          </p:cNvPicPr>
+          <p:nvPr/>
+        </p:nvPicPr>
+        <p:blipFill>
+          <a:blip r:embed="rId2">
+            <a:extLst>
+              <a:ext uri="{28A0092B-C50C-407E-A947-70E740481C1C}">
+                <a14:useLocalDpi xmlns:a14="http://schemas.microsoft.com/office/drawing/2010/main" val="0"/>
+              </a:ext>
+            </a:extLst>
+          </a:blip>
+          <a:stretch>
+            <a:fillRect/>
+          </a:stretch>
+        </p:blipFill>
+        <p:spPr>
+          <a:xfrm>
+            <a:off x="1382296" y="1917832"/>
+            <a:ext cx="9427408" cy="4713705"/>
+          </a:xfrm>
+          <a:prstGeom prst="rect">
+            <a:avLst/>
+          </a:prstGeom>
+        </p:spPr>
+      </p:pic>
+      <p:sp>
+        <p:nvSpPr>
+          <p:cNvPr id="6" name="Rectangle 5">
+            <a:extLst>
+              <a:ext uri="{FF2B5EF4-FFF2-40B4-BE49-F238E27FC236}">
+                <a16:creationId xmlns:a16="http://schemas.microsoft.com/office/drawing/2014/main" id="{2E6B2672-C06A-42FF-B5DB-4BFF0C79E851}"/>
+              </a:ext>
+            </a:extLst>
+          </p:cNvPr>
+          <p:cNvSpPr/>
+          <p:nvPr/>
+        </p:nvSpPr>
+        <p:spPr>
+          <a:xfrm>
+            <a:off x="3114063" y="2298583"/>
+            <a:ext cx="604007" cy="4093828"/>
+          </a:xfrm>
+          <a:prstGeom prst="rect">
+            <a:avLst/>
+          </a:prstGeom>
+          <a:noFill/>
+          <a:ln w="38100"/>
+        </p:spPr>
+        <p:style>
+          <a:lnRef idx="2">
+            <a:schemeClr val="accent1">
+              <a:shade val="50000"/>
+            </a:schemeClr>
+          </a:lnRef>
+          <a:fillRef idx="1">
+            <a:schemeClr val="accent1"/>
+          </a:fillRef>
+          <a:effectRef idx="0">
+            <a:schemeClr val="accent1"/>
+          </a:effectRef>
+          <a:fontRef idx="minor">
+            <a:schemeClr val="lt1"/>
+          </a:fontRef>
+        </p:style>
+        <p:txBody>
+          <a:bodyPr rtlCol="0" anchor="ctr"/>
+          <a:lstStyle/>
+          <a:p>
+            <a:pPr algn="ctr"/>
+            <a:endParaRPr lang="en-US" dirty="0"/>
+          </a:p>
+        </p:txBody>
+      </p:sp>
+    </p:spTree>
+    <p:extLst>
+      <p:ext uri="{BB962C8B-B14F-4D97-AF65-F5344CB8AC3E}">
+        <p14:creationId xmlns:p14="http://schemas.microsoft.com/office/powerpoint/2010/main" val="1202536301"/>
+      </p:ext>
+    </p:extLst>
+  </p:cSld>
+  <p:clrMapOvr>
+    <a:masterClrMapping/>
+  </p:clrMapOvr>
+</p:sld>
+</file>
+
+<file path=ppt/slides/slide16.xml><?xml version="1.0" encoding="utf-8"?>
+<p:sld xmlns:a="http://schemas.openxmlformats.org/drawingml/2006/main" xmlns:r="http://schemas.openxmlformats.org/officeDocument/2006/relationships" xmlns:p="http://schemas.openxmlformats.org/presentationml/2006/main">
+  <p:cSld>
+    <p:spTree>
+      <p:nvGrpSpPr>
+        <p:cNvPr id="1" name=""/>
+        <p:cNvGrpSpPr/>
+        <p:nvPr/>
+      </p:nvGrpSpPr>
+      <p:grpSpPr>
+        <a:xfrm>
+          <a:off x="0" y="0"/>
+          <a:ext cx="0" cy="0"/>
+          <a:chOff x="0" y="0"/>
+          <a:chExt cx="0" cy="0"/>
+        </a:xfrm>
+      </p:grpSpPr>
+      <p:sp>
+        <p:nvSpPr>
+          <p:cNvPr id="2" name="Title 1">
+            <a:extLst>
+              <a:ext uri="{FF2B5EF4-FFF2-40B4-BE49-F238E27FC236}">
+                <a16:creationId xmlns:a16="http://schemas.microsoft.com/office/drawing/2014/main" id="{204125FE-888A-4808-87FB-33D92C9D40AF}"/>
+              </a:ext>
+            </a:extLst>
+          </p:cNvPr>
+          <p:cNvSpPr>
+            <a:spLocks noGrp="1"/>
+          </p:cNvSpPr>
+          <p:nvPr>
+            <p:ph type="title"/>
+          </p:nvPr>
+        </p:nvSpPr>
+        <p:spPr/>
+        <p:txBody>
+          <a:bodyPr>
+            <a:normAutofit fontScale="90000"/>
+          </a:bodyPr>
+          <a:lstStyle/>
+          <a:p>
+            <a:r>
+              <a:rPr lang="en-US" dirty="0"/>
+              <a:t>When fatalities were reported, which part of the plane has the most bird strikes?</a:t>
+            </a:r>
+          </a:p>
+        </p:txBody>
+      </p:sp>
+      <p:pic>
+        <p:nvPicPr>
+          <p:cNvPr id="5" name="Picture 4" descr="Chart, bar chart&#10;&#10;Description automatically generated">
+            <a:extLst>
+              <a:ext uri="{FF2B5EF4-FFF2-40B4-BE49-F238E27FC236}">
+                <a16:creationId xmlns:a16="http://schemas.microsoft.com/office/drawing/2014/main" id="{38FDA770-0B1F-4DA6-A89A-451CCAD4DA50}"/>
+              </a:ext>
+            </a:extLst>
+          </p:cNvPr>
+          <p:cNvPicPr>
+            <a:picLocks noChangeAspect="1"/>
+          </p:cNvPicPr>
+          <p:nvPr/>
+        </p:nvPicPr>
+        <p:blipFill>
+          <a:blip r:embed="rId2">
+            <a:extLst>
+              <a:ext uri="{28A0092B-C50C-407E-A947-70E740481C1C}">
+                <a14:useLocalDpi xmlns:a14="http://schemas.microsoft.com/office/drawing/2010/main" val="0"/>
+              </a:ext>
+            </a:extLst>
+          </a:blip>
+          <a:stretch>
+            <a:fillRect/>
+          </a:stretch>
+        </p:blipFill>
+        <p:spPr>
+          <a:xfrm>
+            <a:off x="1471130" y="1750576"/>
+            <a:ext cx="9655964" cy="4827983"/>
+          </a:xfrm>
+          <a:prstGeom prst="rect">
+            <a:avLst/>
+          </a:prstGeom>
+        </p:spPr>
+      </p:pic>
+    </p:spTree>
+    <p:extLst>
+      <p:ext uri="{BB962C8B-B14F-4D97-AF65-F5344CB8AC3E}">
+        <p14:creationId xmlns:p14="http://schemas.microsoft.com/office/powerpoint/2010/main" val="3121280399"/>
+      </p:ext>
+    </p:extLst>
+  </p:cSld>
+  <p:clrMapOvr>
+    <a:masterClrMapping/>
+  </p:clrMapOvr>
+</p:sld>
+</file>
+
+<file path=ppt/slides/slide17.xml><?xml version="1.0" encoding="utf-8"?>
+<p:sld xmlns:a="http://schemas.openxmlformats.org/drawingml/2006/main" xmlns:r="http://schemas.openxmlformats.org/officeDocument/2006/relationships" xmlns:p="http://schemas.openxmlformats.org/presentationml/2006/main">
+  <p:cSld>
+    <p:spTree>
+      <p:nvGrpSpPr>
+        <p:cNvPr id="1" name=""/>
+        <p:cNvGrpSpPr/>
+        <p:nvPr/>
+      </p:nvGrpSpPr>
+      <p:grpSpPr>
+        <a:xfrm>
+          <a:off x="0" y="0"/>
+          <a:ext cx="0" cy="0"/>
+          <a:chOff x="0" y="0"/>
+          <a:chExt cx="0" cy="0"/>
+        </a:xfrm>
+      </p:grpSpPr>
+      <p:sp>
+        <p:nvSpPr>
+          <p:cNvPr id="2" name="Title 1">
+            <a:extLst>
+              <a:ext uri="{FF2B5EF4-FFF2-40B4-BE49-F238E27FC236}">
+                <a16:creationId xmlns:a16="http://schemas.microsoft.com/office/drawing/2014/main" id="{951C35FC-35F0-4F0E-8D28-8926EC740B74}"/>
+              </a:ext>
+            </a:extLst>
+          </p:cNvPr>
+          <p:cNvSpPr>
+            <a:spLocks noGrp="1"/>
+          </p:cNvSpPr>
+          <p:nvPr>
+            <p:ph type="title"/>
           </p:nvPr>
         </p:nvSpPr>
         <p:spPr/>
@@ -5055,60 +5642,1050 @@
           <a:lstStyle/>
           <a:p>
             <a:r>
+              <a:rPr lang="en-US" dirty="0"/>
+              <a:t>Time of day and weather conditions that lead to the most bird strikes</a:t>
+            </a:r>
+          </a:p>
+        </p:txBody>
+      </p:sp>
+      <p:sp>
+        <p:nvSpPr>
+          <p:cNvPr id="3" name="Content Placeholder 2">
+            <a:extLst>
+              <a:ext uri="{FF2B5EF4-FFF2-40B4-BE49-F238E27FC236}">
+                <a16:creationId xmlns:a16="http://schemas.microsoft.com/office/drawing/2014/main" id="{B34080D1-8BE5-4FDF-BEC0-DD6FA0454D15}"/>
+              </a:ext>
+            </a:extLst>
+          </p:cNvPr>
+          <p:cNvSpPr>
+            <a:spLocks noGrp="1"/>
+          </p:cNvSpPr>
+          <p:nvPr>
+            <p:ph idx="1"/>
+          </p:nvPr>
+        </p:nvSpPr>
+        <p:spPr>
+          <a:xfrm>
+            <a:off x="838200" y="1825625"/>
+            <a:ext cx="10515600" cy="850860"/>
+          </a:xfrm>
+        </p:spPr>
+        <p:txBody>
+          <a:bodyPr>
+            <a:normAutofit fontScale="92500" lnSpcReduction="20000"/>
+          </a:bodyPr>
+          <a:lstStyle/>
+          <a:p>
+            <a:r>
+              <a:rPr lang="en-US" dirty="0"/>
+              <a:t>Time of day: Visibility (dawn, day, dusk, night)</a:t>
+            </a:r>
+          </a:p>
+          <a:p>
+            <a:r>
+              <a:rPr lang="en-US" dirty="0"/>
+              <a:t>Weather conditions: Precipitation (clear, fog, rain, snow...)</a:t>
+            </a:r>
+          </a:p>
+          <a:p>
+            <a:endParaRPr lang="en-US" dirty="0"/>
+          </a:p>
+        </p:txBody>
+      </p:sp>
+      <p:pic>
+        <p:nvPicPr>
+          <p:cNvPr id="7" name="Picture 6" descr="Chart, bar chart&#10;&#10;Description automatically generated">
+            <a:extLst>
+              <a:ext uri="{FF2B5EF4-FFF2-40B4-BE49-F238E27FC236}">
+                <a16:creationId xmlns:a16="http://schemas.microsoft.com/office/drawing/2014/main" id="{99519159-E3F7-432D-AF36-E0C5F13739FD}"/>
+              </a:ext>
+            </a:extLst>
+          </p:cNvPr>
+          <p:cNvPicPr>
+            <a:picLocks noChangeAspect="1"/>
+          </p:cNvPicPr>
+          <p:nvPr/>
+        </p:nvPicPr>
+        <p:blipFill>
+          <a:blip r:embed="rId2">
+            <a:extLst>
+              <a:ext uri="{28A0092B-C50C-407E-A947-70E740481C1C}">
+                <a14:useLocalDpi xmlns:a14="http://schemas.microsoft.com/office/drawing/2010/main" val="0"/>
+              </a:ext>
+            </a:extLst>
+          </a:blip>
+          <a:stretch>
+            <a:fillRect/>
+          </a:stretch>
+        </p:blipFill>
+        <p:spPr>
+          <a:xfrm>
+            <a:off x="1027450" y="2676485"/>
+            <a:ext cx="5487650" cy="3658433"/>
+          </a:xfrm>
+          <a:prstGeom prst="rect">
+            <a:avLst/>
+          </a:prstGeom>
+        </p:spPr>
+      </p:pic>
+      <p:pic>
+        <p:nvPicPr>
+          <p:cNvPr id="9" name="Picture 8" descr="Chart, bar chart&#10;&#10;Description automatically generated">
+            <a:extLst>
+              <a:ext uri="{FF2B5EF4-FFF2-40B4-BE49-F238E27FC236}">
+                <a16:creationId xmlns:a16="http://schemas.microsoft.com/office/drawing/2014/main" id="{164DF541-D8A2-4B55-95D7-546087BBA00E}"/>
+              </a:ext>
+            </a:extLst>
+          </p:cNvPr>
+          <p:cNvPicPr>
+            <a:picLocks noChangeAspect="1"/>
+          </p:cNvPicPr>
+          <p:nvPr/>
+        </p:nvPicPr>
+        <p:blipFill>
+          <a:blip r:embed="rId3">
+            <a:extLst>
+              <a:ext uri="{28A0092B-C50C-407E-A947-70E740481C1C}">
+                <a14:useLocalDpi xmlns:a14="http://schemas.microsoft.com/office/drawing/2010/main" val="0"/>
+              </a:ext>
+            </a:extLst>
+          </a:blip>
+          <a:stretch>
+            <a:fillRect/>
+          </a:stretch>
+        </p:blipFill>
+        <p:spPr>
+          <a:xfrm>
+            <a:off x="6520248" y="2676485"/>
+            <a:ext cx="5487650" cy="3658433"/>
+          </a:xfrm>
+          <a:prstGeom prst="rect">
+            <a:avLst/>
+          </a:prstGeom>
+        </p:spPr>
+      </p:pic>
+      <p:sp>
+        <p:nvSpPr>
+          <p:cNvPr id="4" name="Rectangle 3">
+            <a:extLst>
+              <a:ext uri="{FF2B5EF4-FFF2-40B4-BE49-F238E27FC236}">
+                <a16:creationId xmlns:a16="http://schemas.microsoft.com/office/drawing/2014/main" id="{5CA9DFFA-0DFB-4353-95F3-F00B3A1B2B61}"/>
+              </a:ext>
+            </a:extLst>
+          </p:cNvPr>
+          <p:cNvSpPr/>
+          <p:nvPr/>
+        </p:nvSpPr>
+        <p:spPr>
+          <a:xfrm>
+            <a:off x="1862356" y="3120705"/>
+            <a:ext cx="662729" cy="3129093"/>
+          </a:xfrm>
+          <a:prstGeom prst="rect">
+            <a:avLst/>
+          </a:prstGeom>
+          <a:noFill/>
+          <a:ln w="38100"/>
+        </p:spPr>
+        <p:style>
+          <a:lnRef idx="2">
+            <a:schemeClr val="accent1">
+              <a:shade val="50000"/>
+            </a:schemeClr>
+          </a:lnRef>
+          <a:fillRef idx="1">
+            <a:schemeClr val="accent1"/>
+          </a:fillRef>
+          <a:effectRef idx="0">
+            <a:schemeClr val="accent1"/>
+          </a:effectRef>
+          <a:fontRef idx="minor">
+            <a:schemeClr val="lt1"/>
+          </a:fontRef>
+        </p:style>
+        <p:txBody>
+          <a:bodyPr rtlCol="0" anchor="ctr"/>
+          <a:lstStyle/>
+          <a:p>
+            <a:pPr algn="ctr"/>
+            <a:endParaRPr lang="en-US" dirty="0"/>
+          </a:p>
+        </p:txBody>
+      </p:sp>
+      <p:sp>
+        <p:nvSpPr>
+          <p:cNvPr id="5" name="Rectangle 4">
+            <a:extLst>
+              <a:ext uri="{FF2B5EF4-FFF2-40B4-BE49-F238E27FC236}">
+                <a16:creationId xmlns:a16="http://schemas.microsoft.com/office/drawing/2014/main" id="{E1636521-6EF3-4999-BB6D-4CD76A43BF53}"/>
+              </a:ext>
+            </a:extLst>
+          </p:cNvPr>
+          <p:cNvSpPr/>
+          <p:nvPr/>
+        </p:nvSpPr>
+        <p:spPr>
+          <a:xfrm>
+            <a:off x="7215932" y="3120705"/>
+            <a:ext cx="459996" cy="3063380"/>
+          </a:xfrm>
+          <a:prstGeom prst="rect">
+            <a:avLst/>
+          </a:prstGeom>
+          <a:noFill/>
+          <a:ln w="38100"/>
+        </p:spPr>
+        <p:style>
+          <a:lnRef idx="2">
+            <a:schemeClr val="accent1">
+              <a:shade val="50000"/>
+            </a:schemeClr>
+          </a:lnRef>
+          <a:fillRef idx="1">
+            <a:schemeClr val="accent1"/>
+          </a:fillRef>
+          <a:effectRef idx="0">
+            <a:schemeClr val="accent1"/>
+          </a:effectRef>
+          <a:fontRef idx="minor">
+            <a:schemeClr val="lt1"/>
+          </a:fontRef>
+        </p:style>
+        <p:txBody>
+          <a:bodyPr rtlCol="0" anchor="ctr"/>
+          <a:lstStyle/>
+          <a:p>
+            <a:pPr algn="ctr"/>
+            <a:endParaRPr lang="en-US" dirty="0"/>
+          </a:p>
+        </p:txBody>
+      </p:sp>
+    </p:spTree>
+    <p:extLst>
+      <p:ext uri="{BB962C8B-B14F-4D97-AF65-F5344CB8AC3E}">
+        <p14:creationId xmlns:p14="http://schemas.microsoft.com/office/powerpoint/2010/main" val="2770721454"/>
+      </p:ext>
+    </p:extLst>
+  </p:cSld>
+  <p:clrMapOvr>
+    <a:masterClrMapping/>
+  </p:clrMapOvr>
+</p:sld>
+</file>
+
+<file path=ppt/slides/slide18.xml><?xml version="1.0" encoding="utf-8"?>
+<p:sld xmlns:a="http://schemas.openxmlformats.org/drawingml/2006/main" xmlns:r="http://schemas.openxmlformats.org/officeDocument/2006/relationships" xmlns:p="http://schemas.openxmlformats.org/presentationml/2006/main">
+  <p:cSld>
+    <p:spTree>
+      <p:nvGrpSpPr>
+        <p:cNvPr id="1" name=""/>
+        <p:cNvGrpSpPr/>
+        <p:nvPr/>
+      </p:nvGrpSpPr>
+      <p:grpSpPr>
+        <a:xfrm>
+          <a:off x="0" y="0"/>
+          <a:ext cx="0" cy="0"/>
+          <a:chOff x="0" y="0"/>
+          <a:chExt cx="0" cy="0"/>
+        </a:xfrm>
+      </p:grpSpPr>
+      <p:sp>
+        <p:nvSpPr>
+          <p:cNvPr id="2" name="Title 1">
+            <a:extLst>
+              <a:ext uri="{FF2B5EF4-FFF2-40B4-BE49-F238E27FC236}">
+                <a16:creationId xmlns:a16="http://schemas.microsoft.com/office/drawing/2014/main" id="{951C35FC-35F0-4F0E-8D28-8926EC740B74}"/>
+              </a:ext>
+            </a:extLst>
+          </p:cNvPr>
+          <p:cNvSpPr>
+            <a:spLocks noGrp="1"/>
+          </p:cNvSpPr>
+          <p:nvPr>
+            <p:ph type="title"/>
+          </p:nvPr>
+        </p:nvSpPr>
+        <p:spPr/>
+        <p:txBody>
+          <a:bodyPr>
+            <a:normAutofit/>
+          </a:bodyPr>
+          <a:lstStyle/>
+          <a:p>
+            <a:r>
+              <a:rPr lang="en-US" dirty="0"/>
+              <a:t>Which time of day leads to the most bird strikes?</a:t>
+            </a:r>
+          </a:p>
+        </p:txBody>
+      </p:sp>
+      <p:pic>
+        <p:nvPicPr>
+          <p:cNvPr id="7" name="Picture 6" descr="Graphical user interface, text, application, email&#10;&#10;Description automatically generated">
+            <a:extLst>
+              <a:ext uri="{FF2B5EF4-FFF2-40B4-BE49-F238E27FC236}">
+                <a16:creationId xmlns:a16="http://schemas.microsoft.com/office/drawing/2014/main" id="{06B3DD26-4DB1-4A0D-B014-1DF17E62652A}"/>
+              </a:ext>
+            </a:extLst>
+          </p:cNvPr>
+          <p:cNvPicPr>
+            <a:picLocks noChangeAspect="1"/>
+          </p:cNvPicPr>
+          <p:nvPr/>
+        </p:nvPicPr>
+        <p:blipFill>
+          <a:blip r:embed="rId2">
+            <a:extLst>
+              <a:ext uri="{28A0092B-C50C-407E-A947-70E740481C1C}">
+                <a14:useLocalDpi xmlns:a14="http://schemas.microsoft.com/office/drawing/2010/main" val="0"/>
+              </a:ext>
+            </a:extLst>
+          </a:blip>
+          <a:stretch>
+            <a:fillRect/>
+          </a:stretch>
+        </p:blipFill>
+        <p:spPr>
+          <a:xfrm>
+            <a:off x="1316175" y="2149202"/>
+            <a:ext cx="10037625" cy="4024891"/>
+          </a:xfrm>
+          <a:prstGeom prst="rect">
+            <a:avLst/>
+          </a:prstGeom>
+        </p:spPr>
+      </p:pic>
+    </p:spTree>
+    <p:extLst>
+      <p:ext uri="{BB962C8B-B14F-4D97-AF65-F5344CB8AC3E}">
+        <p14:creationId xmlns:p14="http://schemas.microsoft.com/office/powerpoint/2010/main" val="1845193644"/>
+      </p:ext>
+    </p:extLst>
+  </p:cSld>
+  <p:clrMapOvr>
+    <a:masterClrMapping/>
+  </p:clrMapOvr>
+</p:sld>
+</file>
+
+<file path=ppt/slides/slide19.xml><?xml version="1.0" encoding="utf-8"?>
+<p:sld xmlns:a="http://schemas.openxmlformats.org/drawingml/2006/main" xmlns:r="http://schemas.openxmlformats.org/officeDocument/2006/relationships" xmlns:p="http://schemas.openxmlformats.org/presentationml/2006/main">
+  <p:cSld>
+    <p:bg>
+      <p:bgPr>
+        <a:solidFill>
+          <a:schemeClr val="bg1"/>
+        </a:solidFill>
+        <a:effectLst/>
+      </p:bgPr>
+    </p:bg>
+    <p:spTree>
+      <p:nvGrpSpPr>
+        <p:cNvPr id="1" name=""/>
+        <p:cNvGrpSpPr/>
+        <p:nvPr/>
+      </p:nvGrpSpPr>
+      <p:grpSpPr>
+        <a:xfrm>
+          <a:off x="0" y="0"/>
+          <a:ext cx="0" cy="0"/>
+          <a:chOff x="0" y="0"/>
+          <a:chExt cx="0" cy="0"/>
+        </a:xfrm>
+      </p:grpSpPr>
+      <p:sp useBgFill="1">
+        <p:nvSpPr>
+          <p:cNvPr id="20" name="Rectangle 7">
+            <a:extLst>
+              <a:ext uri="{FF2B5EF4-FFF2-40B4-BE49-F238E27FC236}">
+                <a16:creationId xmlns:a16="http://schemas.microsoft.com/office/drawing/2014/main" id="{8D1AA55E-40D5-461B-A5A8-4AE8AAB71B08}"/>
+              </a:ext>
+              <a:ext uri="{C183D7F6-B498-43B3-948B-1728B52AA6E4}">
+                <adec:decorative xmlns:adec="http://schemas.microsoft.com/office/drawing/2017/decorative" val="1"/>
+              </a:ext>
+            </a:extLst>
+          </p:cNvPr>
+          <p:cNvSpPr>
+            <a:spLocks noGrp="1" noRot="1" noChangeAspect="1" noMove="1" noResize="1" noEditPoints="1" noAdjustHandles="1" noChangeArrowheads="1" noChangeShapeType="1" noTextEdit="1"/>
+          </p:cNvSpPr>
+          <p:nvPr>
+            <p:extLst>
+              <p:ext uri="{386F3935-93C4-4BCD-93E2-E3B085C9AB24}">
+                <p16:designElem xmlns:p16="http://schemas.microsoft.com/office/powerpoint/2015/main" val="1"/>
+              </p:ext>
+            </p:extLst>
+          </p:nvPr>
+        </p:nvSpPr>
+        <p:spPr>
+          <a:xfrm>
+            <a:off x="0" y="0"/>
+            <a:ext cx="12192000" cy="6858000"/>
+          </a:xfrm>
+          <a:prstGeom prst="rect">
+            <a:avLst/>
+          </a:prstGeom>
+          <a:ln>
+            <a:noFill/>
+          </a:ln>
+        </p:spPr>
+        <p:style>
+          <a:lnRef idx="2">
+            <a:schemeClr val="accent1">
+              <a:shade val="50000"/>
+            </a:schemeClr>
+          </a:lnRef>
+          <a:fillRef idx="1">
+            <a:schemeClr val="accent1"/>
+          </a:fillRef>
+          <a:effectRef idx="0">
+            <a:schemeClr val="accent1"/>
+          </a:effectRef>
+          <a:fontRef idx="minor">
+            <a:schemeClr val="lt1"/>
+          </a:fontRef>
+        </p:style>
+        <p:txBody>
+          <a:bodyPr rtlCol="0" anchor="ctr"/>
+          <a:lstStyle/>
+          <a:p>
+            <a:pPr algn="ctr"/>
+            <a:endParaRPr lang="en-US"/>
+          </a:p>
+        </p:txBody>
+      </p:sp>
+      <p:sp>
+        <p:nvSpPr>
+          <p:cNvPr id="2" name="Title 1">
+            <a:extLst>
+              <a:ext uri="{FF2B5EF4-FFF2-40B4-BE49-F238E27FC236}">
+                <a16:creationId xmlns:a16="http://schemas.microsoft.com/office/drawing/2014/main" id="{951C35FC-35F0-4F0E-8D28-8926EC740B74}"/>
+              </a:ext>
+            </a:extLst>
+          </p:cNvPr>
+          <p:cNvSpPr>
+            <a:spLocks noGrp="1"/>
+          </p:cNvSpPr>
+          <p:nvPr>
+            <p:ph type="title"/>
+          </p:nvPr>
+        </p:nvSpPr>
+        <p:spPr>
+          <a:xfrm>
+            <a:off x="803775" y="1106009"/>
+            <a:ext cx="9975061" cy="747958"/>
+          </a:xfrm>
+        </p:spPr>
+        <p:txBody>
+          <a:bodyPr anchor="b">
+            <a:normAutofit fontScale="90000"/>
+          </a:bodyPr>
+          <a:lstStyle/>
+          <a:p>
+            <a:r>
+              <a:rPr lang="en-US" sz="5400" dirty="0"/>
+              <a:t>Observations</a:t>
+            </a:r>
+          </a:p>
+        </p:txBody>
+      </p:sp>
+      <p:cxnSp>
+        <p:nvCxnSpPr>
+          <p:cNvPr id="21" name="Straight Connector 9">
+            <a:extLst>
+              <a:ext uri="{FF2B5EF4-FFF2-40B4-BE49-F238E27FC236}">
+                <a16:creationId xmlns:a16="http://schemas.microsoft.com/office/drawing/2014/main" id="{7EB498BD-8089-4626-91EA-4978EBEF535E}"/>
+              </a:ext>
+              <a:ext uri="{C183D7F6-B498-43B3-948B-1728B52AA6E4}">
+                <adec:decorative xmlns:adec="http://schemas.microsoft.com/office/drawing/2017/decorative" val="1"/>
+              </a:ext>
+            </a:extLst>
+          </p:cNvPr>
+          <p:cNvCxnSpPr>
+            <a:cxnSpLocks noGrp="1" noRot="1" noChangeAspect="1" noMove="1" noResize="1" noEditPoints="1" noAdjustHandles="1" noChangeArrowheads="1" noChangeShapeType="1"/>
+          </p:cNvCxnSpPr>
+          <p:nvPr>
+            <p:extLst>
+              <p:ext uri="{386F3935-93C4-4BCD-93E2-E3B085C9AB24}">
+                <p16:designElem xmlns:p16="http://schemas.microsoft.com/office/powerpoint/2015/main" val="1"/>
+              </p:ext>
+            </p:extLst>
+          </p:nvPr>
+        </p:nvCxnSpPr>
+        <p:spPr>
+          <a:xfrm>
+            <a:off x="8878" y="806470"/>
+            <a:ext cx="7903723" cy="0"/>
+          </a:xfrm>
+          <a:prstGeom prst="line">
+            <a:avLst/>
+          </a:prstGeom>
+          <a:ln w="25400" cap="sq">
+            <a:gradFill flip="none" rotWithShape="1">
+              <a:gsLst>
+                <a:gs pos="0">
+                  <a:schemeClr val="accent2"/>
+                </a:gs>
+                <a:gs pos="100000">
+                  <a:schemeClr val="accent4"/>
+                </a:gs>
+              </a:gsLst>
+              <a:lin ang="10800000" scaled="1"/>
+              <a:tileRect/>
+            </a:gradFill>
+            <a:bevel/>
+          </a:ln>
+        </p:spPr>
+        <p:style>
+          <a:lnRef idx="1">
+            <a:schemeClr val="accent1"/>
+          </a:lnRef>
+          <a:fillRef idx="0">
+            <a:schemeClr val="accent1"/>
+          </a:fillRef>
+          <a:effectRef idx="0">
+            <a:schemeClr val="accent1"/>
+          </a:effectRef>
+          <a:fontRef idx="minor">
+            <a:schemeClr val="tx1"/>
+          </a:fontRef>
+        </p:style>
+      </p:cxnSp>
+      <p:sp>
+        <p:nvSpPr>
+          <p:cNvPr id="22" name="Graphic 11">
+            <a:extLst>
+              <a:ext uri="{FF2B5EF4-FFF2-40B4-BE49-F238E27FC236}">
+                <a16:creationId xmlns:a16="http://schemas.microsoft.com/office/drawing/2014/main" id="{6CB927A4-E432-4310-9CD5-E89FF5063179}"/>
+              </a:ext>
+              <a:ext uri="{C183D7F6-B498-43B3-948B-1728B52AA6E4}">
+                <adec:decorative xmlns:adec="http://schemas.microsoft.com/office/drawing/2017/decorative" val="1"/>
+              </a:ext>
+            </a:extLst>
+          </p:cNvPr>
+          <p:cNvSpPr>
+            <a:spLocks noGrp="1" noRot="1" noChangeAspect="1" noMove="1" noResize="1" noEditPoints="1" noAdjustHandles="1" noChangeArrowheads="1" noChangeShapeType="1" noTextEdit="1"/>
+          </p:cNvSpPr>
+          <p:nvPr>
+            <p:extLst>
+              <p:ext uri="{386F3935-93C4-4BCD-93E2-E3B085C9AB24}">
+                <p16:designElem xmlns:p16="http://schemas.microsoft.com/office/powerpoint/2015/main" val="1"/>
+              </p:ext>
+            </p:extLst>
+          </p:nvPr>
+        </p:nvSpPr>
+        <p:spPr>
+          <a:xfrm>
+            <a:off x="11403764" y="2325422"/>
+            <a:ext cx="139039" cy="139039"/>
+          </a:xfrm>
+          <a:custGeom>
+            <a:avLst/>
+            <a:gdLst>
+              <a:gd name="connsiteX0" fmla="*/ 129602 w 139039"/>
+              <a:gd name="connsiteY0" fmla="*/ 60082 h 139039"/>
+              <a:gd name="connsiteX1" fmla="*/ 78957 w 139039"/>
+              <a:gd name="connsiteY1" fmla="*/ 60082 h 139039"/>
+              <a:gd name="connsiteX2" fmla="*/ 78957 w 139039"/>
+              <a:gd name="connsiteY2" fmla="*/ 9437 h 139039"/>
+              <a:gd name="connsiteX3" fmla="*/ 69520 w 139039"/>
+              <a:gd name="connsiteY3" fmla="*/ 0 h 139039"/>
+              <a:gd name="connsiteX4" fmla="*/ 60082 w 139039"/>
+              <a:gd name="connsiteY4" fmla="*/ 9437 h 139039"/>
+              <a:gd name="connsiteX5" fmla="*/ 60082 w 139039"/>
+              <a:gd name="connsiteY5" fmla="*/ 60082 h 139039"/>
+              <a:gd name="connsiteX6" fmla="*/ 9437 w 139039"/>
+              <a:gd name="connsiteY6" fmla="*/ 60082 h 139039"/>
+              <a:gd name="connsiteX7" fmla="*/ 0 w 139039"/>
+              <a:gd name="connsiteY7" fmla="*/ 69520 h 139039"/>
+              <a:gd name="connsiteX8" fmla="*/ 9437 w 139039"/>
+              <a:gd name="connsiteY8" fmla="*/ 78957 h 139039"/>
+              <a:gd name="connsiteX9" fmla="*/ 60082 w 139039"/>
+              <a:gd name="connsiteY9" fmla="*/ 78957 h 139039"/>
+              <a:gd name="connsiteX10" fmla="*/ 60082 w 139039"/>
+              <a:gd name="connsiteY10" fmla="*/ 129602 h 139039"/>
+              <a:gd name="connsiteX11" fmla="*/ 69520 w 139039"/>
+              <a:gd name="connsiteY11" fmla="*/ 139039 h 139039"/>
+              <a:gd name="connsiteX12" fmla="*/ 78957 w 139039"/>
+              <a:gd name="connsiteY12" fmla="*/ 129602 h 139039"/>
+              <a:gd name="connsiteX13" fmla="*/ 78957 w 139039"/>
+              <a:gd name="connsiteY13" fmla="*/ 78957 h 139039"/>
+              <a:gd name="connsiteX14" fmla="*/ 129602 w 139039"/>
+              <a:gd name="connsiteY14" fmla="*/ 78957 h 139039"/>
+              <a:gd name="connsiteX15" fmla="*/ 139039 w 139039"/>
+              <a:gd name="connsiteY15" fmla="*/ 69520 h 139039"/>
+              <a:gd name="connsiteX16" fmla="*/ 129602 w 139039"/>
+              <a:gd name="connsiteY16" fmla="*/ 60082 h 139039"/>
+            </a:gdLst>
+            <a:ahLst/>
+            <a:cxnLst>
+              <a:cxn ang="0">
+                <a:pos x="connsiteX0" y="connsiteY0"/>
+              </a:cxn>
+              <a:cxn ang="0">
+                <a:pos x="connsiteX1" y="connsiteY1"/>
+              </a:cxn>
+              <a:cxn ang="0">
+                <a:pos x="connsiteX2" y="connsiteY2"/>
+              </a:cxn>
+              <a:cxn ang="0">
+                <a:pos x="connsiteX3" y="connsiteY3"/>
+              </a:cxn>
+              <a:cxn ang="0">
+                <a:pos x="connsiteX4" y="connsiteY4"/>
+              </a:cxn>
+              <a:cxn ang="0">
+                <a:pos x="connsiteX5" y="connsiteY5"/>
+              </a:cxn>
+              <a:cxn ang="0">
+                <a:pos x="connsiteX6" y="connsiteY6"/>
+              </a:cxn>
+              <a:cxn ang="0">
+                <a:pos x="connsiteX7" y="connsiteY7"/>
+              </a:cxn>
+              <a:cxn ang="0">
+                <a:pos x="connsiteX8" y="connsiteY8"/>
+              </a:cxn>
+              <a:cxn ang="0">
+                <a:pos x="connsiteX9" y="connsiteY9"/>
+              </a:cxn>
+              <a:cxn ang="0">
+                <a:pos x="connsiteX10" y="connsiteY10"/>
+              </a:cxn>
+              <a:cxn ang="0">
+                <a:pos x="connsiteX11" y="connsiteY11"/>
+              </a:cxn>
+              <a:cxn ang="0">
+                <a:pos x="connsiteX12" y="connsiteY12"/>
+              </a:cxn>
+              <a:cxn ang="0">
+                <a:pos x="connsiteX13" y="connsiteY13"/>
+              </a:cxn>
+              <a:cxn ang="0">
+                <a:pos x="connsiteX14" y="connsiteY14"/>
+              </a:cxn>
+              <a:cxn ang="0">
+                <a:pos x="connsiteX15" y="connsiteY15"/>
+              </a:cxn>
+              <a:cxn ang="0">
+                <a:pos x="connsiteX16" y="connsiteY16"/>
+              </a:cxn>
+            </a:cxnLst>
+            <a:rect l="l" t="t" r="r" b="b"/>
+            <a:pathLst>
+              <a:path w="139039" h="139039">
+                <a:moveTo>
+                  <a:pt x="129602" y="60082"/>
+                </a:moveTo>
+                <a:lnTo>
+                  <a:pt x="78957" y="60082"/>
+                </a:lnTo>
+                <a:lnTo>
+                  <a:pt x="78957" y="9437"/>
+                </a:lnTo>
+                <a:cubicBezTo>
+                  <a:pt x="78957" y="4225"/>
+                  <a:pt x="74731" y="0"/>
+                  <a:pt x="69520" y="0"/>
+                </a:cubicBezTo>
+                <a:cubicBezTo>
+                  <a:pt x="64308" y="0"/>
+                  <a:pt x="60082" y="4225"/>
+                  <a:pt x="60082" y="9437"/>
+                </a:cubicBezTo>
+                <a:lnTo>
+                  <a:pt x="60082" y="60082"/>
+                </a:lnTo>
+                <a:lnTo>
+                  <a:pt x="9437" y="60082"/>
+                </a:lnTo>
+                <a:cubicBezTo>
+                  <a:pt x="4225" y="60082"/>
+                  <a:pt x="0" y="64308"/>
+                  <a:pt x="0" y="69520"/>
+                </a:cubicBezTo>
+                <a:cubicBezTo>
+                  <a:pt x="0" y="74731"/>
+                  <a:pt x="4225" y="78957"/>
+                  <a:pt x="9437" y="78957"/>
+                </a:cubicBezTo>
+                <a:lnTo>
+                  <a:pt x="60082" y="78957"/>
+                </a:lnTo>
+                <a:lnTo>
+                  <a:pt x="60082" y="129602"/>
+                </a:lnTo>
+                <a:cubicBezTo>
+                  <a:pt x="60082" y="134814"/>
+                  <a:pt x="64308" y="139039"/>
+                  <a:pt x="69520" y="139039"/>
+                </a:cubicBezTo>
+                <a:cubicBezTo>
+                  <a:pt x="74731" y="139039"/>
+                  <a:pt x="78957" y="134814"/>
+                  <a:pt x="78957" y="129602"/>
+                </a:cubicBezTo>
+                <a:lnTo>
+                  <a:pt x="78957" y="78957"/>
+                </a:lnTo>
+                <a:lnTo>
+                  <a:pt x="129602" y="78957"/>
+                </a:lnTo>
+                <a:cubicBezTo>
+                  <a:pt x="134814" y="78957"/>
+                  <a:pt x="139039" y="74731"/>
+                  <a:pt x="139039" y="69520"/>
+                </a:cubicBezTo>
+                <a:cubicBezTo>
+                  <a:pt x="139039" y="64308"/>
+                  <a:pt x="134814" y="60082"/>
+                  <a:pt x="129602" y="60082"/>
+                </a:cubicBezTo>
+                <a:close/>
+              </a:path>
+            </a:pathLst>
+          </a:custGeom>
+          <a:solidFill>
+            <a:schemeClr val="accent2"/>
+          </a:solidFill>
+          <a:ln w="603" cap="flat">
+            <a:noFill/>
+            <a:prstDash val="solid"/>
+            <a:miter/>
+          </a:ln>
+        </p:spPr>
+        <p:txBody>
+          <a:bodyPr rtlCol="0" anchor="ctr"/>
+          <a:lstStyle/>
+          <a:p>
+            <a:endParaRPr lang="en-US"/>
+          </a:p>
+        </p:txBody>
+      </p:sp>
+      <p:sp>
+        <p:nvSpPr>
+          <p:cNvPr id="3" name="Content Placeholder 2">
+            <a:extLst>
+              <a:ext uri="{FF2B5EF4-FFF2-40B4-BE49-F238E27FC236}">
+                <a16:creationId xmlns:a16="http://schemas.microsoft.com/office/drawing/2014/main" id="{B34080D1-8BE5-4FDF-BEC0-DD6FA0454D15}"/>
+              </a:ext>
+            </a:extLst>
+          </p:cNvPr>
+          <p:cNvSpPr>
+            <a:spLocks noGrp="1"/>
+          </p:cNvSpPr>
+          <p:nvPr>
+            <p:ph idx="1"/>
+          </p:nvPr>
+        </p:nvSpPr>
+        <p:spPr>
+          <a:xfrm>
+            <a:off x="803775" y="1853967"/>
+            <a:ext cx="10550025" cy="4814689"/>
+          </a:xfrm>
+        </p:spPr>
+        <p:txBody>
+          <a:bodyPr anchor="t">
+            <a:normAutofit/>
+          </a:bodyPr>
+          <a:lstStyle/>
+          <a:p>
+            <a:r>
               <a:rPr lang="en-US" sz="2000" dirty="0"/>
-              <a:t>The summer season, and especially the month of August, has the most bird strikes</a:t>
+              <a:t>The summer season, and especially the month of September, has the most bird strikes. However, strikes in January may lead to more injuries.</a:t>
             </a:r>
           </a:p>
           <a:p>
             <a:r>
               <a:rPr lang="en-US" sz="2000" dirty="0"/>
-              <a:t>We have identified the top 10 known bird species in this dataset that contribute to the most bird strikes, generally they hit the plane one at a time</a:t>
+              <a:t>We have identified the top 10 known bird species in this dataset that contribute to the most bird strikes, generally they hit the plane one at a time in flocks.</a:t>
             </a:r>
           </a:p>
           <a:p>
             <a:r>
               <a:rPr lang="en-US" sz="2000" dirty="0"/>
-              <a:t>The most bird strikes happen “On Approach”</a:t>
+              <a:t>The most bird strikes happen on approach and commercial planes are more impacted by bird strikes than military planes.</a:t>
             </a:r>
           </a:p>
           <a:p>
             <a:r>
               <a:rPr lang="en-US" sz="2000" dirty="0"/>
-              <a:t>Commercial planes are more impacted by bird strikes than military planes</a:t>
+              <a:t>The “ASO” FAA region, which includes states in the southeastern region of the U.S., has the highest incidence of bird strikes. However, Texas (ASW) and California (AWP) are the states with the most bird strikes. </a:t>
             </a:r>
           </a:p>
           <a:p>
             <a:r>
               <a:rPr lang="en-US" sz="2000" dirty="0"/>
-              <a:t>The “ASO” FAA region, which includes states in the southeastern region of the U.S., has the highest incidence of bird strikes. However, Texas which is in ASW region, is the state with the most bird strikes. </a:t>
+              <a:t>While the windshield, nose, wing/rotor were stuck most often over the 15-year period, the most damaged part was the wing/rotor. Looking at just the strikes that caused injuries, the strike most frequently happened to the windshield. Windshields may not be damaged as easily, but can be dangerous!</a:t>
             </a:r>
           </a:p>
           <a:p>
             <a:r>
               <a:rPr lang="en-US" sz="2000" dirty="0"/>
-              <a:t>[PLACEHOLDER] – PART OF PLANE – RU WILL UPDATE</a:t>
-            </a:r>
-          </a:p>
-          <a:p>
-            <a:r>
-              <a:rPr lang="en-US" sz="2000" dirty="0"/>
-              <a:t>[PLACEHOLDER] – VISIBILITY</a:t>
-            </a:r>
-          </a:p>
-          <a:p>
-            <a:r>
-              <a:rPr lang="en-US" sz="2000" dirty="0"/>
-              <a:t>[PLACEHOLDER] – PRECIP</a:t>
-            </a:r>
-          </a:p>
-          <a:p>
-            <a:endParaRPr lang="en-US" sz="2000" dirty="0"/>
-          </a:p>
-          <a:p>
-            <a:endParaRPr lang="en-US" sz="2000" dirty="0"/>
-          </a:p>
-          <a:p>
-            <a:endParaRPr lang="en-US" sz="2000" dirty="0"/>
+              <a:t>Most bird strikes happen during the day and in clear weather.</a:t>
+            </a:r>
+          </a:p>
+        </p:txBody>
+      </p:sp>
+      <p:sp>
+        <p:nvSpPr>
+          <p:cNvPr id="23" name="Graphic 10">
+            <a:extLst>
+              <a:ext uri="{FF2B5EF4-FFF2-40B4-BE49-F238E27FC236}">
+                <a16:creationId xmlns:a16="http://schemas.microsoft.com/office/drawing/2014/main" id="{E3020543-B24B-4EC4-8FFC-8DD88EEA91A8}"/>
+              </a:ext>
+              <a:ext uri="{C183D7F6-B498-43B3-948B-1728B52AA6E4}">
+                <adec:decorative xmlns:adec="http://schemas.microsoft.com/office/drawing/2017/decorative" val="1"/>
+              </a:ext>
+            </a:extLst>
+          </p:cNvPr>
+          <p:cNvSpPr>
+            <a:spLocks noGrp="1" noRot="1" noChangeAspect="1" noMove="1" noResize="1" noEditPoints="1" noAdjustHandles="1" noChangeArrowheads="1" noChangeShapeType="1" noTextEdit="1"/>
+          </p:cNvSpPr>
+          <p:nvPr>
+            <p:extLst>
+              <p:ext uri="{386F3935-93C4-4BCD-93E2-E3B085C9AB24}">
+                <p16:designElem xmlns:p16="http://schemas.microsoft.com/office/powerpoint/2015/main" val="1"/>
+              </p:ext>
+            </p:extLst>
+          </p:nvPr>
+        </p:nvSpPr>
+        <p:spPr>
+          <a:xfrm>
+            <a:off x="11762544" y="2554717"/>
+            <a:ext cx="91138" cy="91138"/>
+          </a:xfrm>
+          <a:custGeom>
+            <a:avLst/>
+            <a:gdLst>
+              <a:gd name="connsiteX0" fmla="*/ 91138 w 91138"/>
+              <a:gd name="connsiteY0" fmla="*/ 45569 h 91138"/>
+              <a:gd name="connsiteX1" fmla="*/ 45569 w 91138"/>
+              <a:gd name="connsiteY1" fmla="*/ 91138 h 91138"/>
+              <a:gd name="connsiteX2" fmla="*/ 0 w 91138"/>
+              <a:gd name="connsiteY2" fmla="*/ 45569 h 91138"/>
+              <a:gd name="connsiteX3" fmla="*/ 45569 w 91138"/>
+              <a:gd name="connsiteY3" fmla="*/ 0 h 91138"/>
+              <a:gd name="connsiteX4" fmla="*/ 91138 w 91138"/>
+              <a:gd name="connsiteY4" fmla="*/ 45569 h 91138"/>
+            </a:gdLst>
+            <a:ahLst/>
+            <a:cxnLst>
+              <a:cxn ang="0">
+                <a:pos x="connsiteX0" y="connsiteY0"/>
+              </a:cxn>
+              <a:cxn ang="0">
+                <a:pos x="connsiteX1" y="connsiteY1"/>
+              </a:cxn>
+              <a:cxn ang="0">
+                <a:pos x="connsiteX2" y="connsiteY2"/>
+              </a:cxn>
+              <a:cxn ang="0">
+                <a:pos x="connsiteX3" y="connsiteY3"/>
+              </a:cxn>
+              <a:cxn ang="0">
+                <a:pos x="connsiteX4" y="connsiteY4"/>
+              </a:cxn>
+            </a:cxnLst>
+            <a:rect l="l" t="t" r="r" b="b"/>
+            <a:pathLst>
+              <a:path w="91138" h="91138">
+                <a:moveTo>
+                  <a:pt x="91138" y="45569"/>
+                </a:moveTo>
+                <a:cubicBezTo>
+                  <a:pt x="91138" y="70736"/>
+                  <a:pt x="70736" y="91138"/>
+                  <a:pt x="45569" y="91138"/>
+                </a:cubicBezTo>
+                <a:cubicBezTo>
+                  <a:pt x="20402" y="91138"/>
+                  <a:pt x="0" y="70736"/>
+                  <a:pt x="0" y="45569"/>
+                </a:cubicBezTo>
+                <a:cubicBezTo>
+                  <a:pt x="0" y="20402"/>
+                  <a:pt x="20402" y="0"/>
+                  <a:pt x="45569" y="0"/>
+                </a:cubicBezTo>
+                <a:cubicBezTo>
+                  <a:pt x="70736" y="0"/>
+                  <a:pt x="91138" y="20402"/>
+                  <a:pt x="91138" y="45569"/>
+                </a:cubicBezTo>
+                <a:close/>
+              </a:path>
+            </a:pathLst>
+          </a:custGeom>
+          <a:solidFill>
+            <a:schemeClr val="accent2"/>
+          </a:solidFill>
+          <a:ln w="422" cap="flat">
+            <a:noFill/>
+            <a:prstDash val="solid"/>
+            <a:miter/>
+          </a:ln>
+        </p:spPr>
+        <p:txBody>
+          <a:bodyPr rtlCol="0" anchor="ctr"/>
+          <a:lstStyle/>
+          <a:p>
+            <a:endParaRPr lang="en-US"/>
+          </a:p>
+        </p:txBody>
+      </p:sp>
+      <p:sp>
+        <p:nvSpPr>
+          <p:cNvPr id="24" name="Graphic 12">
+            <a:extLst>
+              <a:ext uri="{FF2B5EF4-FFF2-40B4-BE49-F238E27FC236}">
+                <a16:creationId xmlns:a16="http://schemas.microsoft.com/office/drawing/2014/main" id="{1453BF6C-B012-48B7-B4E8-6D7AC7C27D02}"/>
+              </a:ext>
+              <a:ext uri="{C183D7F6-B498-43B3-948B-1728B52AA6E4}">
+                <adec:decorative xmlns:adec="http://schemas.microsoft.com/office/drawing/2017/decorative" val="1"/>
+              </a:ext>
+            </a:extLst>
+          </p:cNvPr>
+          <p:cNvSpPr>
+            <a:spLocks noGrp="1" noRot="1" noChangeAspect="1" noMove="1" noResize="1" noEditPoints="1" noAdjustHandles="1" noChangeArrowheads="1" noChangeShapeType="1" noTextEdit="1"/>
+          </p:cNvSpPr>
+          <p:nvPr>
+            <p:extLst>
+              <p:ext uri="{386F3935-93C4-4BCD-93E2-E3B085C9AB24}">
+                <p16:designElem xmlns:p16="http://schemas.microsoft.com/office/powerpoint/2015/main" val="1"/>
+              </p:ext>
+            </p:extLst>
+          </p:nvPr>
+        </p:nvSpPr>
+        <p:spPr>
+          <a:xfrm>
+            <a:off x="11388224" y="3069861"/>
+            <a:ext cx="127714" cy="127714"/>
+          </a:xfrm>
+          <a:custGeom>
+            <a:avLst/>
+            <a:gdLst>
+              <a:gd name="connsiteX0" fmla="*/ 63857 w 127714"/>
+              <a:gd name="connsiteY0" fmla="*/ 18874 h 127714"/>
+              <a:gd name="connsiteX1" fmla="*/ 108840 w 127714"/>
+              <a:gd name="connsiteY1" fmla="*/ 63857 h 127714"/>
+              <a:gd name="connsiteX2" fmla="*/ 63857 w 127714"/>
+              <a:gd name="connsiteY2" fmla="*/ 108840 h 127714"/>
+              <a:gd name="connsiteX3" fmla="*/ 18874 w 127714"/>
+              <a:gd name="connsiteY3" fmla="*/ 63857 h 127714"/>
+              <a:gd name="connsiteX4" fmla="*/ 63857 w 127714"/>
+              <a:gd name="connsiteY4" fmla="*/ 18874 h 127714"/>
+              <a:gd name="connsiteX5" fmla="*/ 63857 w 127714"/>
+              <a:gd name="connsiteY5" fmla="*/ 0 h 127714"/>
+              <a:gd name="connsiteX6" fmla="*/ 0 w 127714"/>
+              <a:gd name="connsiteY6" fmla="*/ 63857 h 127714"/>
+              <a:gd name="connsiteX7" fmla="*/ 63857 w 127714"/>
+              <a:gd name="connsiteY7" fmla="*/ 127714 h 127714"/>
+              <a:gd name="connsiteX8" fmla="*/ 127714 w 127714"/>
+              <a:gd name="connsiteY8" fmla="*/ 63857 h 127714"/>
+              <a:gd name="connsiteX9" fmla="*/ 63857 w 127714"/>
+              <a:gd name="connsiteY9" fmla="*/ 0 h 127714"/>
+            </a:gdLst>
+            <a:ahLst/>
+            <a:cxnLst>
+              <a:cxn ang="0">
+                <a:pos x="connsiteX0" y="connsiteY0"/>
+              </a:cxn>
+              <a:cxn ang="0">
+                <a:pos x="connsiteX1" y="connsiteY1"/>
+              </a:cxn>
+              <a:cxn ang="0">
+                <a:pos x="connsiteX2" y="connsiteY2"/>
+              </a:cxn>
+              <a:cxn ang="0">
+                <a:pos x="connsiteX3" y="connsiteY3"/>
+              </a:cxn>
+              <a:cxn ang="0">
+                <a:pos x="connsiteX4" y="connsiteY4"/>
+              </a:cxn>
+              <a:cxn ang="0">
+                <a:pos x="connsiteX5" y="connsiteY5"/>
+              </a:cxn>
+              <a:cxn ang="0">
+                <a:pos x="connsiteX6" y="connsiteY6"/>
+              </a:cxn>
+              <a:cxn ang="0">
+                <a:pos x="connsiteX7" y="connsiteY7"/>
+              </a:cxn>
+              <a:cxn ang="0">
+                <a:pos x="connsiteX8" y="connsiteY8"/>
+              </a:cxn>
+              <a:cxn ang="0">
+                <a:pos x="connsiteX9" y="connsiteY9"/>
+              </a:cxn>
+            </a:cxnLst>
+            <a:rect l="l" t="t" r="r" b="b"/>
+            <a:pathLst>
+              <a:path w="127714" h="127714">
+                <a:moveTo>
+                  <a:pt x="63857" y="18874"/>
+                </a:moveTo>
+                <a:cubicBezTo>
+                  <a:pt x="88700" y="18874"/>
+                  <a:pt x="108840" y="39014"/>
+                  <a:pt x="108840" y="63857"/>
+                </a:cubicBezTo>
+                <a:cubicBezTo>
+                  <a:pt x="108840" y="88700"/>
+                  <a:pt x="88700" y="108840"/>
+                  <a:pt x="63857" y="108840"/>
+                </a:cubicBezTo>
+                <a:cubicBezTo>
+                  <a:pt x="39014" y="108840"/>
+                  <a:pt x="18874" y="88700"/>
+                  <a:pt x="18874" y="63857"/>
+                </a:cubicBezTo>
+                <a:cubicBezTo>
+                  <a:pt x="18898" y="39024"/>
+                  <a:pt x="39024" y="18898"/>
+                  <a:pt x="63857" y="18874"/>
+                </a:cubicBezTo>
+                <a:moveTo>
+                  <a:pt x="63857" y="0"/>
+                </a:moveTo>
+                <a:cubicBezTo>
+                  <a:pt x="28590" y="0"/>
+                  <a:pt x="0" y="28590"/>
+                  <a:pt x="0" y="63857"/>
+                </a:cubicBezTo>
+                <a:cubicBezTo>
+                  <a:pt x="0" y="99124"/>
+                  <a:pt x="28590" y="127714"/>
+                  <a:pt x="63857" y="127714"/>
+                </a:cubicBezTo>
+                <a:cubicBezTo>
+                  <a:pt x="99124" y="127714"/>
+                  <a:pt x="127714" y="99124"/>
+                  <a:pt x="127714" y="63857"/>
+                </a:cubicBezTo>
+                <a:cubicBezTo>
+                  <a:pt x="127714" y="28590"/>
+                  <a:pt x="99124" y="0"/>
+                  <a:pt x="63857" y="0"/>
+                </a:cubicBezTo>
+                <a:close/>
+              </a:path>
+            </a:pathLst>
+          </a:custGeom>
+          <a:solidFill>
+            <a:schemeClr val="accent2"/>
+          </a:solidFill>
+          <a:ln w="610" cap="flat">
+            <a:noFill/>
+            <a:prstDash val="solid"/>
+            <a:miter/>
+          </a:ln>
+        </p:spPr>
+        <p:txBody>
+          <a:bodyPr rtlCol="0" anchor="ctr"/>
+          <a:lstStyle/>
+          <a:p>
+            <a:endParaRPr lang="en-US"/>
           </a:p>
         </p:txBody>
       </p:sp>
@@ -5152,7 +6729,7 @@
       </p:grpSpPr>
       <p:cxnSp>
         <p:nvCxnSpPr>
-          <p:cNvPr id="8" name="Straight Connector 7">
+          <p:cNvPr id="29" name="Straight Connector 28">
             <a:extLst>
               <a:ext uri="{FF2B5EF4-FFF2-40B4-BE49-F238E27FC236}">
                 <a16:creationId xmlns:a16="http://schemas.microsoft.com/office/drawing/2014/main" id="{D1B787A8-0D67-4B7E-9B48-86BD906AB6B5}"/>
@@ -5214,6 +6791,788 @@
       </p:cxnSp>
       <p:sp>
         <p:nvSpPr>
+          <p:cNvPr id="31" name="Rectangle 30">
+            <a:extLst>
+              <a:ext uri="{FF2B5EF4-FFF2-40B4-BE49-F238E27FC236}">
+                <a16:creationId xmlns:a16="http://schemas.microsoft.com/office/drawing/2014/main" id="{9A3F5928-D955-456A-97B5-AA390B8CE9D5}"/>
+              </a:ext>
+              <a:ext uri="{C183D7F6-B498-43B3-948B-1728B52AA6E4}">
+                <adec:decorative xmlns:adec="http://schemas.microsoft.com/office/drawing/2017/decorative" val="1"/>
+              </a:ext>
+            </a:extLst>
+          </p:cNvPr>
+          <p:cNvSpPr>
+            <a:spLocks noGrp="1" noRot="1" noChangeAspect="1" noMove="1" noResize="1" noEditPoints="1" noAdjustHandles="1" noChangeArrowheads="1" noChangeShapeType="1" noTextEdit="1"/>
+          </p:cNvSpPr>
+          <p:nvPr>
+            <p:extLst>
+              <p:ext uri="{386F3935-93C4-4BCD-93E2-E3B085C9AB24}">
+                <p16:designElem xmlns:p16="http://schemas.microsoft.com/office/powerpoint/2015/main" val="1"/>
+              </p:ext>
+            </p:extLst>
+          </p:nvPr>
+        </p:nvSpPr>
+        <p:spPr>
+          <a:xfrm>
+            <a:off x="0" y="0"/>
+            <a:ext cx="12192000" cy="6858000"/>
+          </a:xfrm>
+          <a:prstGeom prst="rect">
+            <a:avLst/>
+          </a:prstGeom>
+          <a:gradFill flip="none" rotWithShape="1">
+            <a:gsLst>
+              <a:gs pos="100000">
+                <a:schemeClr val="accent4"/>
+              </a:gs>
+              <a:gs pos="0">
+                <a:schemeClr val="accent2"/>
+              </a:gs>
+            </a:gsLst>
+            <a:lin ang="18900000" scaled="1"/>
+            <a:tileRect/>
+          </a:gradFill>
+          <a:ln>
+            <a:noFill/>
+          </a:ln>
+        </p:spPr>
+        <p:style>
+          <a:lnRef idx="2">
+            <a:schemeClr val="accent1">
+              <a:shade val="50000"/>
+            </a:schemeClr>
+          </a:lnRef>
+          <a:fillRef idx="1">
+            <a:schemeClr val="accent1"/>
+          </a:fillRef>
+          <a:effectRef idx="0">
+            <a:schemeClr val="accent1"/>
+          </a:effectRef>
+          <a:fontRef idx="minor">
+            <a:schemeClr val="lt1"/>
+          </a:fontRef>
+        </p:style>
+        <p:txBody>
+          <a:bodyPr rtlCol="0" anchor="ctr"/>
+          <a:lstStyle/>
+          <a:p>
+            <a:pPr algn="ctr"/>
+            <a:endParaRPr lang="en-US"/>
+          </a:p>
+        </p:txBody>
+      </p:sp>
+      <p:sp>
+        <p:nvSpPr>
+          <p:cNvPr id="2" name="Title 1">
+            <a:extLst>
+              <a:ext uri="{FF2B5EF4-FFF2-40B4-BE49-F238E27FC236}">
+                <a16:creationId xmlns:a16="http://schemas.microsoft.com/office/drawing/2014/main" id="{75BEEE71-2AB2-4DC2-BC5E-DDD194C56081}"/>
+              </a:ext>
+            </a:extLst>
+          </p:cNvPr>
+          <p:cNvSpPr>
+            <a:spLocks noGrp="1"/>
+          </p:cNvSpPr>
+          <p:nvPr>
+            <p:ph type="title"/>
+          </p:nvPr>
+        </p:nvSpPr>
+        <p:spPr>
+          <a:xfrm>
+            <a:off x="1256275" y="1719745"/>
+            <a:ext cx="9679449" cy="3398762"/>
+          </a:xfrm>
+        </p:spPr>
+        <p:txBody>
+          <a:bodyPr vert="horz" lIns="91440" tIns="45720" rIns="91440" bIns="45720" rtlCol="0" anchor="b">
+            <a:normAutofit/>
+          </a:bodyPr>
+          <a:lstStyle/>
+          <a:p>
+            <a:r>
+              <a:rPr lang="en-US" sz="4000" b="1" i="0" kern="1200" cap="all" baseline="0" dirty="0">
+                <a:solidFill>
+                  <a:schemeClr val="bg1"/>
+                </a:solidFill>
+                <a:latin typeface="+mj-lt"/>
+                <a:ea typeface="+mj-ea"/>
+                <a:cs typeface="+mj-cs"/>
+              </a:rPr>
+              <a:t>Goal:</a:t>
+            </a:r>
+            <a:br>
+              <a:rPr lang="en-US" sz="4000" b="1" i="0" kern="1200" cap="all" baseline="0" dirty="0">
+                <a:solidFill>
+                  <a:schemeClr val="bg1"/>
+                </a:solidFill>
+                <a:latin typeface="+mj-lt"/>
+                <a:ea typeface="+mj-ea"/>
+                <a:cs typeface="+mj-cs"/>
+              </a:rPr>
+            </a:br>
+            <a:r>
+              <a:rPr lang="en-US" sz="4000" b="1" i="0" kern="1200" cap="all" baseline="0" dirty="0">
+                <a:solidFill>
+                  <a:schemeClr val="bg1"/>
+                </a:solidFill>
+                <a:latin typeface="+mj-lt"/>
+                <a:ea typeface="+mj-ea"/>
+                <a:cs typeface="+mj-cs"/>
+              </a:rPr>
+              <a:t> </a:t>
+            </a:r>
+            <a:br>
+              <a:rPr lang="en-US" sz="4000" b="1" i="0" kern="1200" cap="all" baseline="0" dirty="0">
+                <a:solidFill>
+                  <a:schemeClr val="bg1"/>
+                </a:solidFill>
+                <a:latin typeface="+mj-lt"/>
+                <a:ea typeface="+mj-ea"/>
+                <a:cs typeface="+mj-cs"/>
+              </a:rPr>
+            </a:br>
+            <a:r>
+              <a:rPr lang="en-US" sz="4000" b="1" i="0" kern="1200" dirty="0">
+                <a:solidFill>
+                  <a:schemeClr val="bg1"/>
+                </a:solidFill>
+                <a:latin typeface="+mj-lt"/>
+                <a:ea typeface="+mj-ea"/>
+                <a:cs typeface="+mj-cs"/>
+              </a:rPr>
+              <a:t>Create awareness of the issue of birds striking airplanes and identify important factors related to this occurrence</a:t>
+            </a:r>
+          </a:p>
+        </p:txBody>
+      </p:sp>
+      <p:cxnSp>
+        <p:nvCxnSpPr>
+          <p:cNvPr id="33" name="Straight Connector 32">
+            <a:extLst>
+              <a:ext uri="{FF2B5EF4-FFF2-40B4-BE49-F238E27FC236}">
+                <a16:creationId xmlns:a16="http://schemas.microsoft.com/office/drawing/2014/main" id="{56020367-4FD5-4596-8E10-C5F095CD8DBF}"/>
+              </a:ext>
+              <a:ext uri="{C183D7F6-B498-43B3-948B-1728B52AA6E4}">
+                <adec:decorative xmlns:adec="http://schemas.microsoft.com/office/drawing/2017/decorative" val="1"/>
+              </a:ext>
+            </a:extLst>
+          </p:cNvPr>
+          <p:cNvCxnSpPr>
+            <a:cxnSpLocks noGrp="1" noRot="1" noChangeAspect="1" noMove="1" noResize="1" noEditPoints="1" noAdjustHandles="1" noChangeArrowheads="1" noChangeShapeType="1"/>
+          </p:cNvCxnSpPr>
+          <p:nvPr>
+            <p:extLst>
+              <p:ext uri="{386F3935-93C4-4BCD-93E2-E3B085C9AB24}">
+                <p16:designElem xmlns:p16="http://schemas.microsoft.com/office/powerpoint/2015/main" val="1"/>
+              </p:ext>
+            </p:extLst>
+          </p:nvPr>
+        </p:nvCxnSpPr>
+        <p:spPr>
+          <a:xfrm>
+            <a:off x="8878" y="806470"/>
+            <a:ext cx="8453437" cy="0"/>
+          </a:xfrm>
+          <a:prstGeom prst="line">
+            <a:avLst/>
+          </a:prstGeom>
+          <a:ln w="25400" cap="sq">
+            <a:solidFill>
+              <a:schemeClr val="bg1"/>
+            </a:solidFill>
+            <a:bevel/>
+          </a:ln>
+        </p:spPr>
+        <p:style>
+          <a:lnRef idx="1">
+            <a:schemeClr val="accent1"/>
+          </a:lnRef>
+          <a:fillRef idx="0">
+            <a:schemeClr val="accent1"/>
+          </a:fillRef>
+          <a:effectRef idx="0">
+            <a:schemeClr val="accent1"/>
+          </a:effectRef>
+          <a:fontRef idx="minor">
+            <a:schemeClr val="tx1"/>
+          </a:fontRef>
+        </p:style>
+      </p:cxnSp>
+      <p:sp>
+        <p:nvSpPr>
+          <p:cNvPr id="35" name="Graphic 13">
+            <a:extLst>
+              <a:ext uri="{FF2B5EF4-FFF2-40B4-BE49-F238E27FC236}">
+                <a16:creationId xmlns:a16="http://schemas.microsoft.com/office/drawing/2014/main" id="{C5CB530E-515E-412C-9DF1-5F8FFBD6F383}"/>
+              </a:ext>
+              <a:ext uri="{C183D7F6-B498-43B3-948B-1728B52AA6E4}">
+                <adec:decorative xmlns:adec="http://schemas.microsoft.com/office/drawing/2017/decorative" val="1"/>
+              </a:ext>
+            </a:extLst>
+          </p:cNvPr>
+          <p:cNvSpPr>
+            <a:spLocks noGrp="1" noRot="1" noChangeAspect="1" noMove="1" noResize="1" noEditPoints="1" noAdjustHandles="1" noChangeArrowheads="1" noChangeShapeType="1" noTextEdit="1"/>
+          </p:cNvSpPr>
+          <p:nvPr>
+            <p:extLst>
+              <p:ext uri="{386F3935-93C4-4BCD-93E2-E3B085C9AB24}">
+                <p16:designElem xmlns:p16="http://schemas.microsoft.com/office/powerpoint/2015/main" val="1"/>
+              </p:ext>
+            </p:extLst>
+          </p:nvPr>
+        </p:nvSpPr>
+        <p:spPr>
+          <a:xfrm>
+            <a:off x="544954" y="2875093"/>
+            <a:ext cx="139039" cy="139039"/>
+          </a:xfrm>
+          <a:custGeom>
+            <a:avLst/>
+            <a:gdLst>
+              <a:gd name="connsiteX0" fmla="*/ 129602 w 139039"/>
+              <a:gd name="connsiteY0" fmla="*/ 60082 h 139039"/>
+              <a:gd name="connsiteX1" fmla="*/ 78957 w 139039"/>
+              <a:gd name="connsiteY1" fmla="*/ 60082 h 139039"/>
+              <a:gd name="connsiteX2" fmla="*/ 78957 w 139039"/>
+              <a:gd name="connsiteY2" fmla="*/ 9437 h 139039"/>
+              <a:gd name="connsiteX3" fmla="*/ 69520 w 139039"/>
+              <a:gd name="connsiteY3" fmla="*/ 0 h 139039"/>
+              <a:gd name="connsiteX4" fmla="*/ 60082 w 139039"/>
+              <a:gd name="connsiteY4" fmla="*/ 9437 h 139039"/>
+              <a:gd name="connsiteX5" fmla="*/ 60082 w 139039"/>
+              <a:gd name="connsiteY5" fmla="*/ 60082 h 139039"/>
+              <a:gd name="connsiteX6" fmla="*/ 9437 w 139039"/>
+              <a:gd name="connsiteY6" fmla="*/ 60082 h 139039"/>
+              <a:gd name="connsiteX7" fmla="*/ 0 w 139039"/>
+              <a:gd name="connsiteY7" fmla="*/ 69520 h 139039"/>
+              <a:gd name="connsiteX8" fmla="*/ 9437 w 139039"/>
+              <a:gd name="connsiteY8" fmla="*/ 78957 h 139039"/>
+              <a:gd name="connsiteX9" fmla="*/ 60082 w 139039"/>
+              <a:gd name="connsiteY9" fmla="*/ 78957 h 139039"/>
+              <a:gd name="connsiteX10" fmla="*/ 60082 w 139039"/>
+              <a:gd name="connsiteY10" fmla="*/ 129602 h 139039"/>
+              <a:gd name="connsiteX11" fmla="*/ 69520 w 139039"/>
+              <a:gd name="connsiteY11" fmla="*/ 139039 h 139039"/>
+              <a:gd name="connsiteX12" fmla="*/ 78957 w 139039"/>
+              <a:gd name="connsiteY12" fmla="*/ 129602 h 139039"/>
+              <a:gd name="connsiteX13" fmla="*/ 78957 w 139039"/>
+              <a:gd name="connsiteY13" fmla="*/ 78957 h 139039"/>
+              <a:gd name="connsiteX14" fmla="*/ 129602 w 139039"/>
+              <a:gd name="connsiteY14" fmla="*/ 78957 h 139039"/>
+              <a:gd name="connsiteX15" fmla="*/ 139039 w 139039"/>
+              <a:gd name="connsiteY15" fmla="*/ 69520 h 139039"/>
+              <a:gd name="connsiteX16" fmla="*/ 129602 w 139039"/>
+              <a:gd name="connsiteY16" fmla="*/ 60082 h 139039"/>
+            </a:gdLst>
+            <a:ahLst/>
+            <a:cxnLst>
+              <a:cxn ang="0">
+                <a:pos x="connsiteX0" y="connsiteY0"/>
+              </a:cxn>
+              <a:cxn ang="0">
+                <a:pos x="connsiteX1" y="connsiteY1"/>
+              </a:cxn>
+              <a:cxn ang="0">
+                <a:pos x="connsiteX2" y="connsiteY2"/>
+              </a:cxn>
+              <a:cxn ang="0">
+                <a:pos x="connsiteX3" y="connsiteY3"/>
+              </a:cxn>
+              <a:cxn ang="0">
+                <a:pos x="connsiteX4" y="connsiteY4"/>
+              </a:cxn>
+              <a:cxn ang="0">
+                <a:pos x="connsiteX5" y="connsiteY5"/>
+              </a:cxn>
+              <a:cxn ang="0">
+                <a:pos x="connsiteX6" y="connsiteY6"/>
+              </a:cxn>
+              <a:cxn ang="0">
+                <a:pos x="connsiteX7" y="connsiteY7"/>
+              </a:cxn>
+              <a:cxn ang="0">
+                <a:pos x="connsiteX8" y="connsiteY8"/>
+              </a:cxn>
+              <a:cxn ang="0">
+                <a:pos x="connsiteX9" y="connsiteY9"/>
+              </a:cxn>
+              <a:cxn ang="0">
+                <a:pos x="connsiteX10" y="connsiteY10"/>
+              </a:cxn>
+              <a:cxn ang="0">
+                <a:pos x="connsiteX11" y="connsiteY11"/>
+              </a:cxn>
+              <a:cxn ang="0">
+                <a:pos x="connsiteX12" y="connsiteY12"/>
+              </a:cxn>
+              <a:cxn ang="0">
+                <a:pos x="connsiteX13" y="connsiteY13"/>
+              </a:cxn>
+              <a:cxn ang="0">
+                <a:pos x="connsiteX14" y="connsiteY14"/>
+              </a:cxn>
+              <a:cxn ang="0">
+                <a:pos x="connsiteX15" y="connsiteY15"/>
+              </a:cxn>
+              <a:cxn ang="0">
+                <a:pos x="connsiteX16" y="connsiteY16"/>
+              </a:cxn>
+            </a:cxnLst>
+            <a:rect l="l" t="t" r="r" b="b"/>
+            <a:pathLst>
+              <a:path w="139039" h="139039">
+                <a:moveTo>
+                  <a:pt x="129602" y="60082"/>
+                </a:moveTo>
+                <a:lnTo>
+                  <a:pt x="78957" y="60082"/>
+                </a:lnTo>
+                <a:lnTo>
+                  <a:pt x="78957" y="9437"/>
+                </a:lnTo>
+                <a:cubicBezTo>
+                  <a:pt x="78957" y="4225"/>
+                  <a:pt x="74731" y="0"/>
+                  <a:pt x="69520" y="0"/>
+                </a:cubicBezTo>
+                <a:cubicBezTo>
+                  <a:pt x="64308" y="0"/>
+                  <a:pt x="60082" y="4225"/>
+                  <a:pt x="60082" y="9437"/>
+                </a:cubicBezTo>
+                <a:lnTo>
+                  <a:pt x="60082" y="60082"/>
+                </a:lnTo>
+                <a:lnTo>
+                  <a:pt x="9437" y="60082"/>
+                </a:lnTo>
+                <a:cubicBezTo>
+                  <a:pt x="4225" y="60082"/>
+                  <a:pt x="0" y="64308"/>
+                  <a:pt x="0" y="69520"/>
+                </a:cubicBezTo>
+                <a:cubicBezTo>
+                  <a:pt x="0" y="74731"/>
+                  <a:pt x="4225" y="78957"/>
+                  <a:pt x="9437" y="78957"/>
+                </a:cubicBezTo>
+                <a:lnTo>
+                  <a:pt x="60082" y="78957"/>
+                </a:lnTo>
+                <a:lnTo>
+                  <a:pt x="60082" y="129602"/>
+                </a:lnTo>
+                <a:cubicBezTo>
+                  <a:pt x="60082" y="134814"/>
+                  <a:pt x="64308" y="139039"/>
+                  <a:pt x="69520" y="139039"/>
+                </a:cubicBezTo>
+                <a:cubicBezTo>
+                  <a:pt x="74731" y="139039"/>
+                  <a:pt x="78957" y="134814"/>
+                  <a:pt x="78957" y="129602"/>
+                </a:cubicBezTo>
+                <a:lnTo>
+                  <a:pt x="78957" y="78957"/>
+                </a:lnTo>
+                <a:lnTo>
+                  <a:pt x="129602" y="78957"/>
+                </a:lnTo>
+                <a:cubicBezTo>
+                  <a:pt x="134814" y="78957"/>
+                  <a:pt x="139039" y="74731"/>
+                  <a:pt x="139039" y="69520"/>
+                </a:cubicBezTo>
+                <a:cubicBezTo>
+                  <a:pt x="139039" y="64308"/>
+                  <a:pt x="134814" y="60082"/>
+                  <a:pt x="129602" y="60082"/>
+                </a:cubicBezTo>
+                <a:close/>
+              </a:path>
+            </a:pathLst>
+          </a:custGeom>
+          <a:solidFill>
+            <a:schemeClr val="bg1"/>
+          </a:solidFill>
+          <a:ln w="603" cap="flat">
+            <a:noFill/>
+            <a:prstDash val="solid"/>
+            <a:miter/>
+          </a:ln>
+        </p:spPr>
+        <p:txBody>
+          <a:bodyPr rtlCol="0" anchor="ctr"/>
+          <a:lstStyle/>
+          <a:p>
+            <a:endParaRPr lang="en-US"/>
+          </a:p>
+        </p:txBody>
+      </p:sp>
+      <p:sp>
+        <p:nvSpPr>
+          <p:cNvPr id="37" name="Graphic 12">
+            <a:extLst>
+              <a:ext uri="{FF2B5EF4-FFF2-40B4-BE49-F238E27FC236}">
+                <a16:creationId xmlns:a16="http://schemas.microsoft.com/office/drawing/2014/main" id="{712D4376-A578-4FF1-94FC-245E7A6A489F}"/>
+              </a:ext>
+              <a:ext uri="{C183D7F6-B498-43B3-948B-1728B52AA6E4}">
+                <adec:decorative xmlns:adec="http://schemas.microsoft.com/office/drawing/2017/decorative" val="1"/>
+              </a:ext>
+            </a:extLst>
+          </p:cNvPr>
+          <p:cNvSpPr>
+            <a:spLocks noGrp="1" noRot="1" noChangeAspect="1" noMove="1" noResize="1" noEditPoints="1" noAdjustHandles="1" noChangeArrowheads="1" noChangeShapeType="1" noTextEdit="1"/>
+          </p:cNvSpPr>
+          <p:nvPr>
+            <p:extLst>
+              <p:ext uri="{386F3935-93C4-4BCD-93E2-E3B085C9AB24}">
+                <p16:designElem xmlns:p16="http://schemas.microsoft.com/office/powerpoint/2015/main" val="1"/>
+              </p:ext>
+            </p:extLst>
+          </p:nvPr>
+        </p:nvSpPr>
+        <p:spPr>
+          <a:xfrm>
+            <a:off x="903734" y="3104388"/>
+            <a:ext cx="91138" cy="91138"/>
+          </a:xfrm>
+          <a:custGeom>
+            <a:avLst/>
+            <a:gdLst>
+              <a:gd name="connsiteX0" fmla="*/ 91138 w 91138"/>
+              <a:gd name="connsiteY0" fmla="*/ 45569 h 91138"/>
+              <a:gd name="connsiteX1" fmla="*/ 45569 w 91138"/>
+              <a:gd name="connsiteY1" fmla="*/ 91138 h 91138"/>
+              <a:gd name="connsiteX2" fmla="*/ 0 w 91138"/>
+              <a:gd name="connsiteY2" fmla="*/ 45569 h 91138"/>
+              <a:gd name="connsiteX3" fmla="*/ 45569 w 91138"/>
+              <a:gd name="connsiteY3" fmla="*/ 0 h 91138"/>
+              <a:gd name="connsiteX4" fmla="*/ 91138 w 91138"/>
+              <a:gd name="connsiteY4" fmla="*/ 45569 h 91138"/>
+            </a:gdLst>
+            <a:ahLst/>
+            <a:cxnLst>
+              <a:cxn ang="0">
+                <a:pos x="connsiteX0" y="connsiteY0"/>
+              </a:cxn>
+              <a:cxn ang="0">
+                <a:pos x="connsiteX1" y="connsiteY1"/>
+              </a:cxn>
+              <a:cxn ang="0">
+                <a:pos x="connsiteX2" y="connsiteY2"/>
+              </a:cxn>
+              <a:cxn ang="0">
+                <a:pos x="connsiteX3" y="connsiteY3"/>
+              </a:cxn>
+              <a:cxn ang="0">
+                <a:pos x="connsiteX4" y="connsiteY4"/>
+              </a:cxn>
+            </a:cxnLst>
+            <a:rect l="l" t="t" r="r" b="b"/>
+            <a:pathLst>
+              <a:path w="91138" h="91138">
+                <a:moveTo>
+                  <a:pt x="91138" y="45569"/>
+                </a:moveTo>
+                <a:cubicBezTo>
+                  <a:pt x="91138" y="70736"/>
+                  <a:pt x="70736" y="91138"/>
+                  <a:pt x="45569" y="91138"/>
+                </a:cubicBezTo>
+                <a:cubicBezTo>
+                  <a:pt x="20402" y="91138"/>
+                  <a:pt x="0" y="70736"/>
+                  <a:pt x="0" y="45569"/>
+                </a:cubicBezTo>
+                <a:cubicBezTo>
+                  <a:pt x="0" y="20402"/>
+                  <a:pt x="20402" y="0"/>
+                  <a:pt x="45569" y="0"/>
+                </a:cubicBezTo>
+                <a:cubicBezTo>
+                  <a:pt x="70736" y="0"/>
+                  <a:pt x="91138" y="20402"/>
+                  <a:pt x="91138" y="45569"/>
+                </a:cubicBezTo>
+                <a:close/>
+              </a:path>
+            </a:pathLst>
+          </a:custGeom>
+          <a:solidFill>
+            <a:schemeClr val="bg1"/>
+          </a:solidFill>
+          <a:ln w="422" cap="flat">
+            <a:noFill/>
+            <a:prstDash val="solid"/>
+            <a:miter/>
+          </a:ln>
+        </p:spPr>
+        <p:txBody>
+          <a:bodyPr rtlCol="0" anchor="ctr"/>
+          <a:lstStyle/>
+          <a:p>
+            <a:endParaRPr lang="en-US"/>
+          </a:p>
+        </p:txBody>
+      </p:sp>
+      <p:sp>
+        <p:nvSpPr>
+          <p:cNvPr id="39" name="Graphic 15">
+            <a:extLst>
+              <a:ext uri="{FF2B5EF4-FFF2-40B4-BE49-F238E27FC236}">
+                <a16:creationId xmlns:a16="http://schemas.microsoft.com/office/drawing/2014/main" id="{AEA7509D-F04F-40CB-A0B3-EEF16499CC9F}"/>
+              </a:ext>
+              <a:ext uri="{C183D7F6-B498-43B3-948B-1728B52AA6E4}">
+                <adec:decorative xmlns:adec="http://schemas.microsoft.com/office/drawing/2017/decorative" val="1"/>
+              </a:ext>
+            </a:extLst>
+          </p:cNvPr>
+          <p:cNvSpPr>
+            <a:spLocks noGrp="1" noRot="1" noChangeAspect="1" noMove="1" noResize="1" noEditPoints="1" noAdjustHandles="1" noChangeArrowheads="1" noChangeShapeType="1" noTextEdit="1"/>
+          </p:cNvSpPr>
+          <p:nvPr>
+            <p:extLst>
+              <p:ext uri="{386F3935-93C4-4BCD-93E2-E3B085C9AB24}">
+                <p16:designElem xmlns:p16="http://schemas.microsoft.com/office/powerpoint/2015/main" val="1"/>
+              </p:ext>
+            </p:extLst>
+          </p:nvPr>
+        </p:nvSpPr>
+        <p:spPr>
+          <a:xfrm>
+            <a:off x="529414" y="3619532"/>
+            <a:ext cx="127714" cy="127714"/>
+          </a:xfrm>
+          <a:custGeom>
+            <a:avLst/>
+            <a:gdLst>
+              <a:gd name="connsiteX0" fmla="*/ 63857 w 127714"/>
+              <a:gd name="connsiteY0" fmla="*/ 18874 h 127714"/>
+              <a:gd name="connsiteX1" fmla="*/ 108840 w 127714"/>
+              <a:gd name="connsiteY1" fmla="*/ 63857 h 127714"/>
+              <a:gd name="connsiteX2" fmla="*/ 63857 w 127714"/>
+              <a:gd name="connsiteY2" fmla="*/ 108840 h 127714"/>
+              <a:gd name="connsiteX3" fmla="*/ 18874 w 127714"/>
+              <a:gd name="connsiteY3" fmla="*/ 63857 h 127714"/>
+              <a:gd name="connsiteX4" fmla="*/ 63857 w 127714"/>
+              <a:gd name="connsiteY4" fmla="*/ 18874 h 127714"/>
+              <a:gd name="connsiteX5" fmla="*/ 63857 w 127714"/>
+              <a:gd name="connsiteY5" fmla="*/ 0 h 127714"/>
+              <a:gd name="connsiteX6" fmla="*/ 0 w 127714"/>
+              <a:gd name="connsiteY6" fmla="*/ 63857 h 127714"/>
+              <a:gd name="connsiteX7" fmla="*/ 63857 w 127714"/>
+              <a:gd name="connsiteY7" fmla="*/ 127714 h 127714"/>
+              <a:gd name="connsiteX8" fmla="*/ 127714 w 127714"/>
+              <a:gd name="connsiteY8" fmla="*/ 63857 h 127714"/>
+              <a:gd name="connsiteX9" fmla="*/ 63857 w 127714"/>
+              <a:gd name="connsiteY9" fmla="*/ 0 h 127714"/>
+            </a:gdLst>
+            <a:ahLst/>
+            <a:cxnLst>
+              <a:cxn ang="0">
+                <a:pos x="connsiteX0" y="connsiteY0"/>
+              </a:cxn>
+              <a:cxn ang="0">
+                <a:pos x="connsiteX1" y="connsiteY1"/>
+              </a:cxn>
+              <a:cxn ang="0">
+                <a:pos x="connsiteX2" y="connsiteY2"/>
+              </a:cxn>
+              <a:cxn ang="0">
+                <a:pos x="connsiteX3" y="connsiteY3"/>
+              </a:cxn>
+              <a:cxn ang="0">
+                <a:pos x="connsiteX4" y="connsiteY4"/>
+              </a:cxn>
+              <a:cxn ang="0">
+                <a:pos x="connsiteX5" y="connsiteY5"/>
+              </a:cxn>
+              <a:cxn ang="0">
+                <a:pos x="connsiteX6" y="connsiteY6"/>
+              </a:cxn>
+              <a:cxn ang="0">
+                <a:pos x="connsiteX7" y="connsiteY7"/>
+              </a:cxn>
+              <a:cxn ang="0">
+                <a:pos x="connsiteX8" y="connsiteY8"/>
+              </a:cxn>
+              <a:cxn ang="0">
+                <a:pos x="connsiteX9" y="connsiteY9"/>
+              </a:cxn>
+            </a:cxnLst>
+            <a:rect l="l" t="t" r="r" b="b"/>
+            <a:pathLst>
+              <a:path w="127714" h="127714">
+                <a:moveTo>
+                  <a:pt x="63857" y="18874"/>
+                </a:moveTo>
+                <a:cubicBezTo>
+                  <a:pt x="88700" y="18874"/>
+                  <a:pt x="108840" y="39014"/>
+                  <a:pt x="108840" y="63857"/>
+                </a:cubicBezTo>
+                <a:cubicBezTo>
+                  <a:pt x="108840" y="88700"/>
+                  <a:pt x="88700" y="108840"/>
+                  <a:pt x="63857" y="108840"/>
+                </a:cubicBezTo>
+                <a:cubicBezTo>
+                  <a:pt x="39014" y="108840"/>
+                  <a:pt x="18874" y="88700"/>
+                  <a:pt x="18874" y="63857"/>
+                </a:cubicBezTo>
+                <a:cubicBezTo>
+                  <a:pt x="18898" y="39024"/>
+                  <a:pt x="39024" y="18898"/>
+                  <a:pt x="63857" y="18874"/>
+                </a:cubicBezTo>
+                <a:moveTo>
+                  <a:pt x="63857" y="0"/>
+                </a:moveTo>
+                <a:cubicBezTo>
+                  <a:pt x="28590" y="0"/>
+                  <a:pt x="0" y="28590"/>
+                  <a:pt x="0" y="63857"/>
+                </a:cubicBezTo>
+                <a:cubicBezTo>
+                  <a:pt x="0" y="99124"/>
+                  <a:pt x="28590" y="127714"/>
+                  <a:pt x="63857" y="127714"/>
+                </a:cubicBezTo>
+                <a:cubicBezTo>
+                  <a:pt x="99124" y="127714"/>
+                  <a:pt x="127714" y="99124"/>
+                  <a:pt x="127714" y="63857"/>
+                </a:cubicBezTo>
+                <a:cubicBezTo>
+                  <a:pt x="127714" y="28590"/>
+                  <a:pt x="99124" y="0"/>
+                  <a:pt x="63857" y="0"/>
+                </a:cubicBezTo>
+                <a:close/>
+              </a:path>
+            </a:pathLst>
+          </a:custGeom>
+          <a:solidFill>
+            <a:schemeClr val="bg1"/>
+          </a:solidFill>
+          <a:ln w="610" cap="flat">
+            <a:noFill/>
+            <a:prstDash val="solid"/>
+            <a:miter/>
+          </a:ln>
+        </p:spPr>
+        <p:txBody>
+          <a:bodyPr rtlCol="0" anchor="ctr"/>
+          <a:lstStyle/>
+          <a:p>
+            <a:endParaRPr lang="en-US"/>
+          </a:p>
+        </p:txBody>
+      </p:sp>
+    </p:spTree>
+    <p:extLst>
+      <p:ext uri="{BB962C8B-B14F-4D97-AF65-F5344CB8AC3E}">
+        <p14:creationId xmlns:p14="http://schemas.microsoft.com/office/powerpoint/2010/main" val="2445702527"/>
+      </p:ext>
+    </p:extLst>
+  </p:cSld>
+  <p:clrMapOvr>
+    <a:masterClrMapping/>
+  </p:clrMapOvr>
+</p:sld>
+</file>
+
+<file path=ppt/slides/slide20.xml><?xml version="1.0" encoding="utf-8"?>
+<p:sld xmlns:a="http://schemas.openxmlformats.org/drawingml/2006/main" xmlns:r="http://schemas.openxmlformats.org/officeDocument/2006/relationships" xmlns:p="http://schemas.openxmlformats.org/presentationml/2006/main">
+  <p:cSld>
+    <p:bg>
+      <p:bgPr>
+        <a:solidFill>
+          <a:schemeClr val="bg1"/>
+        </a:solidFill>
+        <a:effectLst/>
+      </p:bgPr>
+    </p:bg>
+    <p:spTree>
+      <p:nvGrpSpPr>
+        <p:cNvPr id="1" name=""/>
+        <p:cNvGrpSpPr/>
+        <p:nvPr/>
+      </p:nvGrpSpPr>
+      <p:grpSpPr>
+        <a:xfrm>
+          <a:off x="0" y="0"/>
+          <a:ext cx="0" cy="0"/>
+          <a:chOff x="0" y="0"/>
+          <a:chExt cx="0" cy="0"/>
+        </a:xfrm>
+      </p:grpSpPr>
+      <p:cxnSp>
+        <p:nvCxnSpPr>
+          <p:cNvPr id="8" name="Straight Connector 7">
+            <a:extLst>
+              <a:ext uri="{FF2B5EF4-FFF2-40B4-BE49-F238E27FC236}">
+                <a16:creationId xmlns:a16="http://schemas.microsoft.com/office/drawing/2014/main" id="{D1B787A8-0D67-4B7E-9B48-86BD906AB6B5}"/>
+              </a:ext>
+              <a:ext uri="{C183D7F6-B498-43B3-948B-1728B52AA6E4}">
+                <adec:decorative xmlns:adec="http://schemas.microsoft.com/office/drawing/2017/decorative" val="1"/>
+              </a:ext>
+            </a:extLst>
+          </p:cNvPr>
+          <p:cNvCxnSpPr>
+            <a:cxnSpLocks noGrp="1" noRot="1" noChangeAspect="1" noMove="1" noResize="1" noEditPoints="1" noAdjustHandles="1" noChangeArrowheads="1" noChangeShapeType="1"/>
+          </p:cNvCxnSpPr>
+          <p:nvPr>
+            <p:extLst>
+              <p:ext uri="{386F3935-93C4-4BCD-93E2-E3B085C9AB24}">
+                <p16:designElem xmlns:p16="http://schemas.microsoft.com/office/powerpoint/2015/main" val="1"/>
+              </p:ext>
+            </p:extLst>
+          </p:nvPr>
+        </p:nvCxnSpPr>
+        <p:spPr>
+          <a:xfrm>
+            <a:off x="715890" y="1114050"/>
+            <a:ext cx="0" cy="5735637"/>
+          </a:xfrm>
+          <a:prstGeom prst="line">
+            <a:avLst/>
+          </a:prstGeom>
+          <a:ln w="25400" cap="sq">
+            <a:gradFill flip="none" rotWithShape="1">
+              <a:gsLst>
+                <a:gs pos="0">
+                  <a:schemeClr val="accent2"/>
+                </a:gs>
+                <a:gs pos="100000">
+                  <a:schemeClr val="accent4"/>
+                </a:gs>
+              </a:gsLst>
+              <a:lin ang="16200000" scaled="1"/>
+              <a:tileRect/>
+            </a:gradFill>
+            <a:bevel/>
+          </a:ln>
+        </p:spPr>
+        <p:style>
+          <a:lnRef idx="1">
+            <a:schemeClr val="accent1"/>
+          </a:lnRef>
+          <a:fillRef idx="0">
+            <a:schemeClr val="accent1"/>
+          </a:fillRef>
+          <a:effectRef idx="0">
+            <a:schemeClr val="accent1"/>
+          </a:effectRef>
+          <a:fontRef idx="minor">
+            <a:schemeClr val="tx1"/>
+          </a:fontRef>
+        </p:style>
+      </p:cxnSp>
+      <p:sp>
+        <p:nvSpPr>
           <p:cNvPr id="10" name="Rectangle 9">
             <a:extLst>
               <a:ext uri="{FF2B5EF4-FFF2-40B4-BE49-F238E27FC236}">
@@ -5289,7 +7648,7 @@
           <p:cNvPr id="2" name="Title 1">
             <a:extLst>
               <a:ext uri="{FF2B5EF4-FFF2-40B4-BE49-F238E27FC236}">
-                <a16:creationId xmlns:a16="http://schemas.microsoft.com/office/drawing/2014/main" id="{75BEEE71-2AB2-4DC2-BC5E-DDD194C56081}"/>
+                <a16:creationId xmlns:a16="http://schemas.microsoft.com/office/drawing/2014/main" id="{42F17481-5D0A-4F1F-BF24-A27BFB7E611F}"/>
               </a:ext>
             </a:extLst>
           </p:cNvPr>
@@ -5302,8 +7661,8 @@
         </p:nvSpPr>
         <p:spPr>
           <a:xfrm>
-            <a:off x="1531218" y="605579"/>
-            <a:ext cx="9147940" cy="3529574"/>
+            <a:off x="1522030" y="1209220"/>
+            <a:ext cx="9147940" cy="2337238"/>
           </a:xfrm>
         </p:spPr>
         <p:txBody>
@@ -5314,7 +7673,7 @@
           <a:p>
             <a:pPr algn="ctr"/>
             <a:r>
-              <a:rPr lang="en-US" b="1" i="0" kern="1200" dirty="0">
+              <a:rPr lang="en-US" sz="6000" b="1" i="0" kern="1200" cap="all" baseline="0" dirty="0">
                 <a:solidFill>
                   <a:schemeClr val="bg1"/>
                 </a:solidFill>
@@ -5322,28 +7681,7 @@
                 <a:ea typeface="+mj-ea"/>
                 <a:cs typeface="+mj-cs"/>
               </a:rPr>
-              <a:t>Goal: </a:t>
-            </a:r>
-            <a:br>
-              <a:rPr lang="en-US" b="1" i="0" kern="1200" dirty="0">
-                <a:solidFill>
-                  <a:schemeClr val="bg1"/>
-                </a:solidFill>
-                <a:latin typeface="+mj-lt"/>
-                <a:ea typeface="+mj-ea"/>
-                <a:cs typeface="+mj-cs"/>
-              </a:rPr>
-            </a:br>
-            <a:r>
-              <a:rPr lang="en-US" b="1" i="0" kern="1200" dirty="0">
-                <a:solidFill>
-                  <a:schemeClr val="bg1"/>
-                </a:solidFill>
-                <a:latin typeface="+mj-lt"/>
-                <a:ea typeface="+mj-ea"/>
-                <a:cs typeface="+mj-cs"/>
-              </a:rPr>
-              <a:t>Identify the highest risk factors that lead to bird strikes to airplanes</a:t>
+              <a:t>Questions?</a:t>
             </a:r>
           </a:p>
         </p:txBody>
@@ -6350,7 +8688,7 @@
     </p:spTree>
     <p:extLst>
       <p:ext uri="{BB962C8B-B14F-4D97-AF65-F5344CB8AC3E}">
-        <p14:creationId xmlns:p14="http://schemas.microsoft.com/office/powerpoint/2010/main" val="2445702527"/>
+        <p14:creationId xmlns:p14="http://schemas.microsoft.com/office/powerpoint/2010/main" val="208352618"/>
       </p:ext>
     </p:extLst>
   </p:cSld>
@@ -6400,7 +8738,7 @@
           <a:p>
             <a:r>
               <a:rPr lang="en-US" dirty="0"/>
-              <a:t>Clean the database</a:t>
+              <a:t>Clean the database, and set up GitHub</a:t>
             </a:r>
           </a:p>
         </p:txBody>
@@ -6423,10 +8761,59 @@
         </p:nvSpPr>
         <p:spPr/>
         <p:txBody>
-          <a:bodyPr/>
-          <a:lstStyle/>
-          <a:p>
-            <a:endParaRPr lang="en-US"/>
+          <a:bodyPr>
+            <a:normAutofit fontScale="92500" lnSpcReduction="10000"/>
+          </a:bodyPr>
+          <a:lstStyle/>
+          <a:p>
+            <a:r>
+              <a:rPr lang="en-US" dirty="0"/>
+              <a:t>Dataset retrieved from Kaggle, covers bird strikes reported for the U.S. and Canada over the time period from 1990-2015.</a:t>
+            </a:r>
+          </a:p>
+          <a:p>
+            <a:r>
+              <a:rPr lang="en-US" dirty="0"/>
+              <a:t>Reviewed the dataset and determined which variables were relevant for analysis, examined data types, etc.</a:t>
+            </a:r>
+          </a:p>
+          <a:p>
+            <a:r>
+              <a:rPr lang="en-US" dirty="0"/>
+              <a:t>Decided to remove certain rows of data:</a:t>
+            </a:r>
+          </a:p>
+          <a:p>
+            <a:pPr lvl="1"/>
+            <a:r>
+              <a:rPr lang="en-US" dirty="0"/>
+              <a:t>Airplane “operator” is unknown</a:t>
+            </a:r>
+          </a:p>
+          <a:p>
+            <a:pPr lvl="1"/>
+            <a:r>
+              <a:rPr lang="en-US" dirty="0"/>
+              <a:t>Non-bird species in the dataset</a:t>
+            </a:r>
+          </a:p>
+          <a:p>
+            <a:r>
+              <a:rPr lang="en-US" dirty="0"/>
+              <a:t>Published the cleaned data into a new “Cleaned_data.csv”</a:t>
+            </a:r>
+          </a:p>
+          <a:p>
+            <a:r>
+              <a:rPr lang="en-US" dirty="0"/>
+              <a:t>Team created branches for each question, and used the “Cleaned_data.csv” to do the analysis in respective branches</a:t>
+            </a:r>
+          </a:p>
+          <a:p>
+            <a:r>
+              <a:rPr lang="en-US" dirty="0"/>
+              <a:t>Once each branch was complete, it was pushed to the main </a:t>
+            </a:r>
           </a:p>
         </p:txBody>
       </p:sp>
@@ -6504,21 +8891,188 @@
             <p:ph idx="1"/>
           </p:nvPr>
         </p:nvSpPr>
-        <p:spPr/>
+        <p:spPr>
+          <a:xfrm>
+            <a:off x="838200" y="1825625"/>
+            <a:ext cx="10515600" cy="691072"/>
+          </a:xfrm>
+        </p:spPr>
         <p:txBody>
           <a:bodyPr/>
           <a:lstStyle/>
           <a:p>
             <a:r>
               <a:rPr lang="en-US" dirty="0"/>
-              <a:t>Season: Summer</a:t>
-            </a:r>
-          </a:p>
-          <a:p>
-            <a:r>
-              <a:rPr lang="en-US" dirty="0"/>
-              <a:t>Month: August</a:t>
-            </a:r>
+              <a:t>Season: Summer, Month: September</a:t>
+            </a:r>
+          </a:p>
+        </p:txBody>
+      </p:sp>
+      <p:pic>
+        <p:nvPicPr>
+          <p:cNvPr id="8" name="Picture 7" descr="Chart, histogram&#10;&#10;Description automatically generated">
+            <a:extLst>
+              <a:ext uri="{FF2B5EF4-FFF2-40B4-BE49-F238E27FC236}">
+                <a16:creationId xmlns:a16="http://schemas.microsoft.com/office/drawing/2014/main" id="{51992A6B-F1C0-40F4-B4A7-C85282EF53E3}"/>
+              </a:ext>
+            </a:extLst>
+          </p:cNvPr>
+          <p:cNvPicPr>
+            <a:picLocks noChangeAspect="1"/>
+          </p:cNvPicPr>
+          <p:nvPr/>
+        </p:nvPicPr>
+        <p:blipFill>
+          <a:blip r:embed="rId2">
+            <a:extLst>
+              <a:ext uri="{28A0092B-C50C-407E-A947-70E740481C1C}">
+                <a14:useLocalDpi xmlns:a14="http://schemas.microsoft.com/office/drawing/2010/main" val="0"/>
+              </a:ext>
+            </a:extLst>
+          </a:blip>
+          <a:stretch>
+            <a:fillRect/>
+          </a:stretch>
+        </p:blipFill>
+        <p:spPr>
+          <a:xfrm>
+            <a:off x="5818114" y="2708301"/>
+            <a:ext cx="5747655" cy="3972779"/>
+          </a:xfrm>
+          <a:prstGeom prst="rect">
+            <a:avLst/>
+          </a:prstGeom>
+        </p:spPr>
+      </p:pic>
+      <p:pic>
+        <p:nvPicPr>
+          <p:cNvPr id="10" name="Picture 9" descr="Chart, bar chart&#10;&#10;Description automatically generated">
+            <a:extLst>
+              <a:ext uri="{FF2B5EF4-FFF2-40B4-BE49-F238E27FC236}">
+                <a16:creationId xmlns:a16="http://schemas.microsoft.com/office/drawing/2014/main" id="{4D70CEE1-6BCE-4DAF-A034-E0755481425D}"/>
+              </a:ext>
+            </a:extLst>
+          </p:cNvPr>
+          <p:cNvPicPr>
+            <a:picLocks noChangeAspect="1"/>
+          </p:cNvPicPr>
+          <p:nvPr/>
+        </p:nvPicPr>
+        <p:blipFill>
+          <a:blip r:embed="rId3">
+            <a:extLst>
+              <a:ext uri="{28A0092B-C50C-407E-A947-70E740481C1C}">
+                <a14:useLocalDpi xmlns:a14="http://schemas.microsoft.com/office/drawing/2010/main" val="0"/>
+              </a:ext>
+            </a:extLst>
+          </a:blip>
+          <a:stretch>
+            <a:fillRect/>
+          </a:stretch>
+        </p:blipFill>
+        <p:spPr>
+          <a:xfrm>
+            <a:off x="1229578" y="2823774"/>
+            <a:ext cx="3545621" cy="3669101"/>
+          </a:xfrm>
+          <a:prstGeom prst="rect">
+            <a:avLst/>
+          </a:prstGeom>
+        </p:spPr>
+      </p:pic>
+      <p:sp>
+        <p:nvSpPr>
+          <p:cNvPr id="12" name="Rectangle 11">
+            <a:extLst>
+              <a:ext uri="{FF2B5EF4-FFF2-40B4-BE49-F238E27FC236}">
+                <a16:creationId xmlns:a16="http://schemas.microsoft.com/office/drawing/2014/main" id="{A6915107-5AA8-48AA-81FB-D86C265CEB33}"/>
+              </a:ext>
+            </a:extLst>
+          </p:cNvPr>
+          <p:cNvSpPr/>
+          <p:nvPr/>
+        </p:nvSpPr>
+        <p:spPr>
+          <a:xfrm>
+            <a:off x="3271705" y="3060230"/>
+            <a:ext cx="645953" cy="3256680"/>
+          </a:xfrm>
+          <a:prstGeom prst="rect">
+            <a:avLst/>
+          </a:prstGeom>
+          <a:noFill/>
+          <a:ln w="38100"/>
+        </p:spPr>
+        <p:style>
+          <a:lnRef idx="2">
+            <a:schemeClr val="accent1">
+              <a:shade val="50000"/>
+            </a:schemeClr>
+          </a:lnRef>
+          <a:fillRef idx="1">
+            <a:schemeClr val="accent1"/>
+          </a:fillRef>
+          <a:effectRef idx="0">
+            <a:schemeClr val="accent1"/>
+          </a:effectRef>
+          <a:fontRef idx="minor">
+            <a:schemeClr val="lt1"/>
+          </a:fontRef>
+        </p:style>
+        <p:txBody>
+          <a:bodyPr rtlCol="0" anchor="ctr"/>
+          <a:lstStyle/>
+          <a:p>
+            <a:pPr algn="ctr"/>
+            <a:endParaRPr lang="en-US" dirty="0"/>
+          </a:p>
+        </p:txBody>
+      </p:sp>
+      <p:sp>
+        <p:nvSpPr>
+          <p:cNvPr id="14" name="Rectangle 13">
+            <a:extLst>
+              <a:ext uri="{FF2B5EF4-FFF2-40B4-BE49-F238E27FC236}">
+                <a16:creationId xmlns:a16="http://schemas.microsoft.com/office/drawing/2014/main" id="{C338E578-66CA-44A5-9E86-6257567A1B59}"/>
+              </a:ext>
+            </a:extLst>
+          </p:cNvPr>
+          <p:cNvSpPr/>
+          <p:nvPr/>
+        </p:nvSpPr>
+        <p:spPr>
+          <a:xfrm>
+            <a:off x="9748006" y="2994870"/>
+            <a:ext cx="520119" cy="3573710"/>
+          </a:xfrm>
+          <a:prstGeom prst="rect">
+            <a:avLst/>
+          </a:prstGeom>
+          <a:noFill/>
+          <a:ln w="38100"/>
+        </p:spPr>
+        <p:style>
+          <a:lnRef idx="2">
+            <a:schemeClr val="accent1">
+              <a:shade val="50000"/>
+            </a:schemeClr>
+          </a:lnRef>
+          <a:fillRef idx="1">
+            <a:schemeClr val="accent1"/>
+          </a:fillRef>
+          <a:effectRef idx="0">
+            <a:schemeClr val="accent1"/>
+          </a:effectRef>
+          <a:fontRef idx="minor">
+            <a:schemeClr val="lt1"/>
+          </a:fontRef>
+        </p:style>
+        <p:txBody>
+          <a:bodyPr rtlCol="0" anchor="ctr"/>
+          <a:lstStyle/>
+          <a:p>
+            <a:pPr algn="ctr"/>
+            <a:endParaRPr lang="en-US" dirty="0"/>
           </a:p>
         </p:txBody>
       </p:sp>
@@ -6557,7 +9111,7 @@
           <p:cNvPr id="2" name="Title 1">
             <a:extLst>
               <a:ext uri="{FF2B5EF4-FFF2-40B4-BE49-F238E27FC236}">
-                <a16:creationId xmlns:a16="http://schemas.microsoft.com/office/drawing/2014/main" id="{62B3BAED-773A-42B7-9186-36F448C1A7FB}"/>
+                <a16:creationId xmlns:a16="http://schemas.microsoft.com/office/drawing/2014/main" id="{AA3DD2CF-2DB3-4F4A-B61A-823BF12AAD1C}"/>
               </a:ext>
             </a:extLst>
           </p:cNvPr>
@@ -6570,50 +9124,104 @@
         </p:nvSpPr>
         <p:spPr/>
         <p:txBody>
-          <a:bodyPr>
-            <a:normAutofit fontScale="90000"/>
-          </a:bodyPr>
+          <a:bodyPr/>
           <a:lstStyle/>
           <a:p>
             <a:r>
               <a:rPr lang="en-US" dirty="0"/>
-              <a:t>Is there a type of bird that contributes to the highest rate of bird strikes, overall?</a:t>
-            </a:r>
-          </a:p>
-        </p:txBody>
-      </p:sp>
-      <p:sp>
-        <p:nvSpPr>
-          <p:cNvPr id="3" name="Content Placeholder 2">
-            <a:extLst>
-              <a:ext uri="{FF2B5EF4-FFF2-40B4-BE49-F238E27FC236}">
-                <a16:creationId xmlns:a16="http://schemas.microsoft.com/office/drawing/2014/main" id="{7C2A6A5F-C7A1-4E4F-AE9F-65930FFCE093}"/>
-              </a:ext>
-            </a:extLst>
-          </p:cNvPr>
-          <p:cNvSpPr>
-            <a:spLocks noGrp="1"/>
-          </p:cNvSpPr>
-          <p:nvPr>
-            <p:ph idx="1"/>
-          </p:nvPr>
-        </p:nvSpPr>
-        <p:spPr/>
-        <p:txBody>
-          <a:bodyPr/>
-          <a:lstStyle/>
-          <a:p>
-            <a:r>
-              <a:rPr lang="en-US" dirty="0"/>
-              <a:t>Bird: Mourning Dove</a:t>
-            </a:r>
+              <a:t>Fatalities and injuries per month over the 15 year-period</a:t>
+            </a:r>
+          </a:p>
+        </p:txBody>
+      </p:sp>
+      <p:pic>
+        <p:nvPicPr>
+          <p:cNvPr id="5" name="Picture 4" descr="Chart, bar chart&#10;&#10;Description automatically generated">
+            <a:extLst>
+              <a:ext uri="{FF2B5EF4-FFF2-40B4-BE49-F238E27FC236}">
+                <a16:creationId xmlns:a16="http://schemas.microsoft.com/office/drawing/2014/main" id="{9D4A783F-2E44-4011-A87C-F9C3E74949A7}"/>
+              </a:ext>
+            </a:extLst>
+          </p:cNvPr>
+          <p:cNvPicPr>
+            <a:picLocks noChangeAspect="1"/>
+          </p:cNvPicPr>
+          <p:nvPr/>
+        </p:nvPicPr>
+        <p:blipFill>
+          <a:blip r:embed="rId2">
+            <a:extLst>
+              <a:ext uri="{28A0092B-C50C-407E-A947-70E740481C1C}">
+                <a14:useLocalDpi xmlns:a14="http://schemas.microsoft.com/office/drawing/2010/main" val="0"/>
+              </a:ext>
+            </a:extLst>
+          </a:blip>
+          <a:stretch>
+            <a:fillRect/>
+          </a:stretch>
+        </p:blipFill>
+        <p:spPr>
+          <a:xfrm>
+            <a:off x="1800455" y="2088596"/>
+            <a:ext cx="9060873" cy="4292936"/>
+          </a:xfrm>
+          <a:prstGeom prst="rect">
+            <a:avLst/>
+          </a:prstGeom>
+        </p:spPr>
+      </p:pic>
+      <p:sp>
+        <p:nvSpPr>
+          <p:cNvPr id="7" name="Rectangle 6">
+            <a:extLst>
+              <a:ext uri="{FF2B5EF4-FFF2-40B4-BE49-F238E27FC236}">
+                <a16:creationId xmlns:a16="http://schemas.microsoft.com/office/drawing/2014/main" id="{1A447956-B4D2-487F-93D0-B159DFABED0C}"/>
+              </a:ext>
+            </a:extLst>
+          </p:cNvPr>
+          <p:cNvSpPr/>
+          <p:nvPr/>
+        </p:nvSpPr>
+        <p:spPr>
+          <a:xfrm>
+            <a:off x="2374084" y="2088596"/>
+            <a:ext cx="671120" cy="4052145"/>
+          </a:xfrm>
+          <a:prstGeom prst="rect">
+            <a:avLst/>
+          </a:prstGeom>
+          <a:noFill/>
+          <a:ln w="38100"/>
+        </p:spPr>
+        <p:style>
+          <a:lnRef idx="2">
+            <a:schemeClr val="accent1">
+              <a:shade val="50000"/>
+            </a:schemeClr>
+          </a:lnRef>
+          <a:fillRef idx="1">
+            <a:schemeClr val="accent1"/>
+          </a:fillRef>
+          <a:effectRef idx="0">
+            <a:schemeClr val="accent1"/>
+          </a:effectRef>
+          <a:fontRef idx="minor">
+            <a:schemeClr val="lt1"/>
+          </a:fontRef>
+        </p:style>
+        <p:txBody>
+          <a:bodyPr rtlCol="0" anchor="ctr"/>
+          <a:lstStyle/>
+          <a:p>
+            <a:pPr algn="ctr"/>
+            <a:endParaRPr lang="en-US" dirty="0"/>
           </a:p>
         </p:txBody>
       </p:sp>
     </p:spTree>
     <p:extLst>
       <p:ext uri="{BB962C8B-B14F-4D97-AF65-F5344CB8AC3E}">
-        <p14:creationId xmlns:p14="http://schemas.microsoft.com/office/powerpoint/2010/main" val="3681549766"/>
+        <p14:creationId xmlns:p14="http://schemas.microsoft.com/office/powerpoint/2010/main" val="1954637016"/>
       </p:ext>
     </p:extLst>
   </p:cSld>
@@ -6665,7 +9273,7 @@
           <a:p>
             <a:r>
               <a:rPr lang="en-US" dirty="0"/>
-              <a:t>At what point during the flight phase do most bird strikes take place, overall?</a:t>
+              <a:t>Is there a type of bird that contributes to the highest rate of bird strikes, overall?</a:t>
             </a:r>
           </a:p>
         </p:txBody>
@@ -6693,15 +9301,134 @@
           <a:p>
             <a:r>
               <a:rPr lang="en-US" dirty="0"/>
-              <a:t>On Approach</a:t>
-            </a:r>
+              <a:t>Gull</a:t>
+            </a:r>
+          </a:p>
+        </p:txBody>
+      </p:sp>
+      <p:pic>
+        <p:nvPicPr>
+          <p:cNvPr id="9" name="Picture 8" descr="Chart, pie chart&#10;&#10;Description automatically generated">
+            <a:extLst>
+              <a:ext uri="{FF2B5EF4-FFF2-40B4-BE49-F238E27FC236}">
+                <a16:creationId xmlns:a16="http://schemas.microsoft.com/office/drawing/2014/main" id="{3D211C09-EB3E-49B4-A96D-5D60EA47B025}"/>
+              </a:ext>
+            </a:extLst>
+          </p:cNvPr>
+          <p:cNvPicPr>
+            <a:picLocks noChangeAspect="1"/>
+          </p:cNvPicPr>
+          <p:nvPr/>
+        </p:nvPicPr>
+        <p:blipFill rotWithShape="1">
+          <a:blip r:embed="rId2">
+            <a:extLst>
+              <a:ext uri="{28A0092B-C50C-407E-A947-70E740481C1C}">
+                <a14:useLocalDpi xmlns:a14="http://schemas.microsoft.com/office/drawing/2010/main" val="0"/>
+              </a:ext>
+            </a:extLst>
+          </a:blip>
+          <a:srcRect l="20883" t="7497" r="19723" b="8227"/>
+          <a:stretch/>
+        </p:blipFill>
+        <p:spPr>
+          <a:xfrm>
+            <a:off x="1182254" y="2530763"/>
+            <a:ext cx="2789381" cy="2638604"/>
+          </a:xfrm>
+          <a:prstGeom prst="rect">
+            <a:avLst/>
+          </a:prstGeom>
+        </p:spPr>
+      </p:pic>
+      <p:pic>
+        <p:nvPicPr>
+          <p:cNvPr id="11" name="Picture 10" descr="Chart&#10;&#10;Description automatically generated">
+            <a:extLst>
+              <a:ext uri="{FF2B5EF4-FFF2-40B4-BE49-F238E27FC236}">
+                <a16:creationId xmlns:a16="http://schemas.microsoft.com/office/drawing/2014/main" id="{E2CC9DF6-90C3-4006-8591-A6DC2570A0B9}"/>
+              </a:ext>
+            </a:extLst>
+          </p:cNvPr>
+          <p:cNvPicPr>
+            <a:picLocks noChangeAspect="1"/>
+          </p:cNvPicPr>
+          <p:nvPr/>
+        </p:nvPicPr>
+        <p:blipFill>
+          <a:blip r:embed="rId3">
+            <a:extLst>
+              <a:ext uri="{28A0092B-C50C-407E-A947-70E740481C1C}">
+                <a14:useLocalDpi xmlns:a14="http://schemas.microsoft.com/office/drawing/2010/main" val="0"/>
+              </a:ext>
+            </a:extLst>
+          </a:blip>
+          <a:stretch>
+            <a:fillRect/>
+          </a:stretch>
+        </p:blipFill>
+        <p:spPr>
+          <a:xfrm>
+            <a:off x="5291811" y="2431056"/>
+            <a:ext cx="5265354" cy="3510236"/>
+          </a:xfrm>
+          <a:prstGeom prst="rect">
+            <a:avLst/>
+          </a:prstGeom>
+        </p:spPr>
+      </p:pic>
+      <p:sp>
+        <p:nvSpPr>
+          <p:cNvPr id="15" name="Rectangle 14">
+            <a:extLst>
+              <a:ext uri="{FF2B5EF4-FFF2-40B4-BE49-F238E27FC236}">
+                <a16:creationId xmlns:a16="http://schemas.microsoft.com/office/drawing/2014/main" id="{C878D50F-C807-4896-B910-7F25ABF0F1AF}"/>
+              </a:ext>
+            </a:extLst>
+          </p:cNvPr>
+          <p:cNvSpPr/>
+          <p:nvPr/>
+        </p:nvSpPr>
+        <p:spPr>
+          <a:xfrm>
+            <a:off x="5972961" y="2431056"/>
+            <a:ext cx="486562" cy="2560394"/>
+          </a:xfrm>
+          <a:prstGeom prst="rect">
+            <a:avLst/>
+          </a:prstGeom>
+          <a:noFill/>
+          <a:ln w="38100"/>
+        </p:spPr>
+        <p:style>
+          <a:lnRef idx="2">
+            <a:schemeClr val="accent1">
+              <a:shade val="50000"/>
+            </a:schemeClr>
+          </a:lnRef>
+          <a:fillRef idx="1">
+            <a:schemeClr val="accent1"/>
+          </a:fillRef>
+          <a:effectRef idx="0">
+            <a:schemeClr val="accent1"/>
+          </a:effectRef>
+          <a:fontRef idx="minor">
+            <a:schemeClr val="lt1"/>
+          </a:fontRef>
+        </p:style>
+        <p:txBody>
+          <a:bodyPr rtlCol="0" anchor="ctr"/>
+          <a:lstStyle/>
+          <a:p>
+            <a:pPr algn="ctr"/>
+            <a:endParaRPr lang="en-US" dirty="0"/>
           </a:p>
         </p:txBody>
       </p:sp>
     </p:spTree>
     <p:extLst>
       <p:ext uri="{BB962C8B-B14F-4D97-AF65-F5344CB8AC3E}">
-        <p14:creationId xmlns:p14="http://schemas.microsoft.com/office/powerpoint/2010/main" val="1664127942"/>
+        <p14:creationId xmlns:p14="http://schemas.microsoft.com/office/powerpoint/2010/main" val="3681549766"/>
       </p:ext>
     </p:extLst>
   </p:cSld>
@@ -6733,7 +9460,7 @@
           <p:cNvPr id="2" name="Title 1">
             <a:extLst>
               <a:ext uri="{FF2B5EF4-FFF2-40B4-BE49-F238E27FC236}">
-                <a16:creationId xmlns:a16="http://schemas.microsoft.com/office/drawing/2014/main" id="{951C35FC-35F0-4F0E-8D28-8926EC740B74}"/>
+                <a16:creationId xmlns:a16="http://schemas.microsoft.com/office/drawing/2014/main" id="{62B3BAED-773A-42B7-9186-36F448C1A7FB}"/>
               </a:ext>
             </a:extLst>
           </p:cNvPr>
@@ -6747,49 +9474,144 @@
         <p:spPr/>
         <p:txBody>
           <a:bodyPr>
-            <a:normAutofit/>
+            <a:normAutofit fontScale="90000"/>
           </a:bodyPr>
           <a:lstStyle/>
           <a:p>
             <a:r>
               <a:rPr lang="en-US" dirty="0"/>
-              <a:t>Do commercial or military airlines have the most bird strikes, overall?</a:t>
-            </a:r>
-          </a:p>
-        </p:txBody>
-      </p:sp>
-      <p:sp>
-        <p:nvSpPr>
-          <p:cNvPr id="3" name="Content Placeholder 2">
-            <a:extLst>
-              <a:ext uri="{FF2B5EF4-FFF2-40B4-BE49-F238E27FC236}">
-                <a16:creationId xmlns:a16="http://schemas.microsoft.com/office/drawing/2014/main" id="{B34080D1-8BE5-4FDF-BEC0-DD6FA0454D15}"/>
-              </a:ext>
-            </a:extLst>
-          </p:cNvPr>
-          <p:cNvSpPr>
-            <a:spLocks noGrp="1"/>
-          </p:cNvSpPr>
+              <a:t>Is there a type of bird that contributes to the highest rate of bird strikes, overall? </a:t>
+            </a:r>
+            <a:r>
+              <a:rPr lang="en-US" i="1" dirty="0"/>
+              <a:t>(Contd.)</a:t>
+            </a:r>
+          </a:p>
+        </p:txBody>
+      </p:sp>
+      <p:pic>
+        <p:nvPicPr>
+          <p:cNvPr id="5" name="Content Placeholder 4" descr="Chart&#10;&#10;Description automatically generated">
+            <a:extLst>
+              <a:ext uri="{FF2B5EF4-FFF2-40B4-BE49-F238E27FC236}">
+                <a16:creationId xmlns:a16="http://schemas.microsoft.com/office/drawing/2014/main" id="{B5C8A0DB-2DCB-4A1A-8CA1-883A881E11C3}"/>
+              </a:ext>
+            </a:extLst>
+          </p:cNvPr>
+          <p:cNvPicPr>
+            <a:picLocks noGrp="1" noChangeAspect="1"/>
+          </p:cNvPicPr>
           <p:nvPr>
             <p:ph idx="1"/>
           </p:nvPr>
-        </p:nvSpPr>
-        <p:spPr/>
-        <p:txBody>
-          <a:bodyPr/>
-          <a:lstStyle/>
-          <a:p>
-            <a:r>
-              <a:rPr lang="en-US" dirty="0"/>
-              <a:t>Commercial</a:t>
-            </a:r>
+        </p:nvPicPr>
+        <p:blipFill>
+          <a:blip r:embed="rId2">
+            <a:extLst>
+              <a:ext uri="{28A0092B-C50C-407E-A947-70E740481C1C}">
+                <a14:useLocalDpi xmlns:a14="http://schemas.microsoft.com/office/drawing/2010/main" val="0"/>
+              </a:ext>
+            </a:extLst>
+          </a:blip>
+          <a:stretch>
+            <a:fillRect/>
+          </a:stretch>
+        </p:blipFill>
+        <p:spPr>
+          <a:xfrm>
+            <a:off x="1070370" y="2406969"/>
+            <a:ext cx="5487650" cy="3658433"/>
+          </a:xfrm>
+        </p:spPr>
+      </p:pic>
+      <p:pic>
+        <p:nvPicPr>
+          <p:cNvPr id="7" name="Picture 6" descr="Chart, bar chart&#10;&#10;Description automatically generated">
+            <a:extLst>
+              <a:ext uri="{FF2B5EF4-FFF2-40B4-BE49-F238E27FC236}">
+                <a16:creationId xmlns:a16="http://schemas.microsoft.com/office/drawing/2014/main" id="{342F4984-E80F-4BA8-8D9F-EA005091B37F}"/>
+              </a:ext>
+            </a:extLst>
+          </p:cNvPr>
+          <p:cNvPicPr>
+            <a:picLocks noChangeAspect="1"/>
+          </p:cNvPicPr>
+          <p:nvPr/>
+        </p:nvPicPr>
+        <p:blipFill>
+          <a:blip r:embed="rId3">
+            <a:extLst>
+              <a:ext uri="{28A0092B-C50C-407E-A947-70E740481C1C}">
+                <a14:useLocalDpi xmlns:a14="http://schemas.microsoft.com/office/drawing/2010/main" val="0"/>
+              </a:ext>
+            </a:extLst>
+          </a:blip>
+          <a:stretch>
+            <a:fillRect/>
+          </a:stretch>
+        </p:blipFill>
+        <p:spPr>
+          <a:xfrm>
+            <a:off x="7220124" y="2406969"/>
+            <a:ext cx="4230848" cy="2820565"/>
+          </a:xfrm>
+          <a:prstGeom prst="rect">
+            <a:avLst/>
+          </a:prstGeom>
+        </p:spPr>
+      </p:pic>
+      <p:sp>
+        <p:nvSpPr>
+          <p:cNvPr id="8" name="Rectangle 7">
+            <a:extLst>
+              <a:ext uri="{FF2B5EF4-FFF2-40B4-BE49-F238E27FC236}">
+                <a16:creationId xmlns:a16="http://schemas.microsoft.com/office/drawing/2014/main" id="{63CEEABE-0DB9-4623-A17C-5160C8BD1A51}"/>
+              </a:ext>
+            </a:extLst>
+          </p:cNvPr>
+          <p:cNvSpPr/>
+          <p:nvPr/>
+        </p:nvSpPr>
+        <p:spPr>
+          <a:xfrm>
+            <a:off x="3011647" y="2406969"/>
+            <a:ext cx="486562" cy="2820564"/>
+          </a:xfrm>
+          <a:prstGeom prst="rect">
+            <a:avLst/>
+          </a:prstGeom>
+          <a:noFill/>
+          <a:ln w="38100"/>
+        </p:spPr>
+        <p:style>
+          <a:lnRef idx="2">
+            <a:schemeClr val="accent1">
+              <a:shade val="50000"/>
+            </a:schemeClr>
+          </a:lnRef>
+          <a:fillRef idx="1">
+            <a:schemeClr val="accent1"/>
+          </a:fillRef>
+          <a:effectRef idx="0">
+            <a:schemeClr val="accent1"/>
+          </a:effectRef>
+          <a:fontRef idx="minor">
+            <a:schemeClr val="lt1"/>
+          </a:fontRef>
+        </p:style>
+        <p:txBody>
+          <a:bodyPr rtlCol="0" anchor="ctr"/>
+          <a:lstStyle/>
+          <a:p>
+            <a:pPr algn="ctr"/>
+            <a:endParaRPr lang="en-US" dirty="0"/>
           </a:p>
         </p:txBody>
       </p:sp>
     </p:spTree>
     <p:extLst>
       <p:ext uri="{BB962C8B-B14F-4D97-AF65-F5344CB8AC3E}">
-        <p14:creationId xmlns:p14="http://schemas.microsoft.com/office/powerpoint/2010/main" val="3949020802"/>
+        <p14:creationId xmlns:p14="http://schemas.microsoft.com/office/powerpoint/2010/main" val="2589489632"/>
       </p:ext>
     </p:extLst>
   </p:cSld>
@@ -6821,7 +9643,7 @@
           <p:cNvPr id="2" name="Title 1">
             <a:extLst>
               <a:ext uri="{FF2B5EF4-FFF2-40B4-BE49-F238E27FC236}">
-                <a16:creationId xmlns:a16="http://schemas.microsoft.com/office/drawing/2014/main" id="{951C35FC-35F0-4F0E-8D28-8926EC740B74}"/>
+                <a16:creationId xmlns:a16="http://schemas.microsoft.com/office/drawing/2014/main" id="{62B3BAED-773A-42B7-9186-36F448C1A7FB}"/>
               </a:ext>
             </a:extLst>
           </p:cNvPr>
@@ -6835,13 +9657,13 @@
         <p:spPr/>
         <p:txBody>
           <a:bodyPr>
-            <a:normAutofit/>
+            <a:normAutofit fontScale="90000"/>
           </a:bodyPr>
           <a:lstStyle/>
           <a:p>
             <a:r>
               <a:rPr lang="en-US" dirty="0"/>
-              <a:t>Where do most bird strikes take place?</a:t>
+              <a:t>At what point during the flight phase do most bird strikes take place, overall?</a:t>
             </a:r>
           </a:p>
         </p:txBody>
@@ -6851,7 +9673,7 @@
           <p:cNvPr id="3" name="Content Placeholder 2">
             <a:extLst>
               <a:ext uri="{FF2B5EF4-FFF2-40B4-BE49-F238E27FC236}">
-                <a16:creationId xmlns:a16="http://schemas.microsoft.com/office/drawing/2014/main" id="{B34080D1-8BE5-4FDF-BEC0-DD6FA0454D15}"/>
+                <a16:creationId xmlns:a16="http://schemas.microsoft.com/office/drawing/2014/main" id="{7C2A6A5F-C7A1-4E4F-AE9F-65930FFCE093}"/>
               </a:ext>
             </a:extLst>
           </p:cNvPr>
@@ -6869,13 +9691,91 @@
           <a:p>
             <a:r>
               <a:rPr lang="en-US" dirty="0"/>
-              <a:t>FAA Region: ASO (Southern Region)</a:t>
-            </a:r>
-          </a:p>
-          <a:p>
-            <a:pPr marL="0" indent="0">
-              <a:buNone/>
-            </a:pPr>
+              <a:t>On Approach</a:t>
+            </a:r>
+          </a:p>
+        </p:txBody>
+      </p:sp>
+      <p:pic>
+        <p:nvPicPr>
+          <p:cNvPr id="5" name="Picture 4" descr="Chart&#10;&#10;Description automatically generated">
+            <a:extLst>
+              <a:ext uri="{FF2B5EF4-FFF2-40B4-BE49-F238E27FC236}">
+                <a16:creationId xmlns:a16="http://schemas.microsoft.com/office/drawing/2014/main" id="{66BF8528-F332-4C5B-A6AA-FA078EB30FB9}"/>
+              </a:ext>
+            </a:extLst>
+          </p:cNvPr>
+          <p:cNvPicPr>
+            <a:picLocks noChangeAspect="1"/>
+          </p:cNvPicPr>
+          <p:nvPr/>
+        </p:nvPicPr>
+        <p:blipFill>
+          <a:blip r:embed="rId2">
+            <a:extLst>
+              <a:ext uri="{28A0092B-C50C-407E-A947-70E740481C1C}">
+                <a14:useLocalDpi xmlns:a14="http://schemas.microsoft.com/office/drawing/2010/main" val="0"/>
+              </a:ext>
+            </a:extLst>
+          </a:blip>
+          <a:stretch>
+            <a:fillRect/>
+          </a:stretch>
+        </p:blipFill>
+        <p:spPr>
+          <a:xfrm>
+            <a:off x="2094588" y="2460197"/>
+            <a:ext cx="8002823" cy="4293578"/>
+          </a:xfrm>
+          <a:prstGeom prst="rect">
+            <a:avLst/>
+          </a:prstGeom>
+        </p:spPr>
+      </p:pic>
+      <p:sp>
+        <p:nvSpPr>
+          <p:cNvPr id="6" name="Rectangle 5">
+            <a:extLst>
+              <a:ext uri="{FF2B5EF4-FFF2-40B4-BE49-F238E27FC236}">
+                <a16:creationId xmlns:a16="http://schemas.microsoft.com/office/drawing/2014/main" id="{4D907D02-C54B-4B21-BD28-903461B1867A}"/>
+              </a:ext>
+            </a:extLst>
+          </p:cNvPr>
+          <p:cNvSpPr/>
+          <p:nvPr/>
+        </p:nvSpPr>
+        <p:spPr>
+          <a:xfrm>
+            <a:off x="2902591" y="2818701"/>
+            <a:ext cx="604007" cy="3565321"/>
+          </a:xfrm>
+          <a:prstGeom prst="rect">
+            <a:avLst/>
+          </a:prstGeom>
+          <a:noFill/>
+          <a:ln w="38100"/>
+        </p:spPr>
+        <p:style>
+          <a:lnRef idx="2">
+            <a:schemeClr val="accent1">
+              <a:shade val="50000"/>
+            </a:schemeClr>
+          </a:lnRef>
+          <a:fillRef idx="1">
+            <a:schemeClr val="accent1"/>
+          </a:fillRef>
+          <a:effectRef idx="0">
+            <a:schemeClr val="accent1"/>
+          </a:effectRef>
+          <a:fontRef idx="minor">
+            <a:schemeClr val="lt1"/>
+          </a:fontRef>
+        </p:style>
+        <p:txBody>
+          <a:bodyPr rtlCol="0" anchor="ctr"/>
+          <a:lstStyle/>
+          <a:p>
+            <a:pPr algn="ctr"/>
             <a:endParaRPr lang="en-US" dirty="0"/>
           </a:p>
         </p:txBody>
@@ -6883,7 +9783,7 @@
     </p:spTree>
     <p:extLst>
       <p:ext uri="{BB962C8B-B14F-4D97-AF65-F5344CB8AC3E}">
-        <p14:creationId xmlns:p14="http://schemas.microsoft.com/office/powerpoint/2010/main" val="284372261"/>
+        <p14:creationId xmlns:p14="http://schemas.microsoft.com/office/powerpoint/2010/main" val="1664127942"/>
       </p:ext>
     </p:extLst>
   </p:cSld>
@@ -6935,7 +9835,7 @@
           <a:p>
             <a:r>
               <a:rPr lang="en-US" dirty="0"/>
-              <a:t>Where do most bird strikes take place?</a:t>
+              <a:t>Do commercial or military airlines have the most bird strikes, overall?</a:t>
             </a:r>
           </a:p>
         </p:txBody>
@@ -6963,22 +9863,91 @@
           <a:p>
             <a:r>
               <a:rPr lang="en-US" dirty="0"/>
-              <a:t>By FAA Region: ASO (Southern Region)</a:t>
-            </a:r>
-          </a:p>
-          <a:p>
-            <a:r>
-              <a:rPr lang="en-US" dirty="0"/>
-              <a:t>By State: Texas</a:t>
-            </a:r>
-          </a:p>
-          <a:p>
-            <a:endParaRPr lang="en-US" dirty="0"/>
-          </a:p>
-          <a:p>
-            <a:pPr marL="0" indent="0">
-              <a:buNone/>
-            </a:pPr>
+              <a:t>Commercial</a:t>
+            </a:r>
+          </a:p>
+        </p:txBody>
+      </p:sp>
+      <p:pic>
+        <p:nvPicPr>
+          <p:cNvPr id="5" name="Picture 4" descr="Chart, bar chart&#10;&#10;Description automatically generated">
+            <a:extLst>
+              <a:ext uri="{FF2B5EF4-FFF2-40B4-BE49-F238E27FC236}">
+                <a16:creationId xmlns:a16="http://schemas.microsoft.com/office/drawing/2014/main" id="{52082535-1E23-4854-B8DF-36D455D27052}"/>
+              </a:ext>
+            </a:extLst>
+          </p:cNvPr>
+          <p:cNvPicPr>
+            <a:picLocks noChangeAspect="1"/>
+          </p:cNvPicPr>
+          <p:nvPr/>
+        </p:nvPicPr>
+        <p:blipFill>
+          <a:blip r:embed="rId2">
+            <a:extLst>
+              <a:ext uri="{28A0092B-C50C-407E-A947-70E740481C1C}">
+                <a14:useLocalDpi xmlns:a14="http://schemas.microsoft.com/office/drawing/2010/main" val="0"/>
+              </a:ext>
+            </a:extLst>
+          </a:blip>
+          <a:stretch>
+            <a:fillRect/>
+          </a:stretch>
+        </p:blipFill>
+        <p:spPr>
+          <a:xfrm>
+            <a:off x="3768974" y="1825625"/>
+            <a:ext cx="4783899" cy="4806359"/>
+          </a:xfrm>
+          <a:prstGeom prst="rect">
+            <a:avLst/>
+          </a:prstGeom>
+        </p:spPr>
+      </p:pic>
+      <p:sp>
+        <p:nvSpPr>
+          <p:cNvPr id="7" name="Rectangle 6">
+            <a:extLst>
+              <a:ext uri="{FF2B5EF4-FFF2-40B4-BE49-F238E27FC236}">
+                <a16:creationId xmlns:a16="http://schemas.microsoft.com/office/drawing/2014/main" id="{D0DC702C-6A6A-4C78-B80D-E60EBE2DBEEE}"/>
+              </a:ext>
+            </a:extLst>
+          </p:cNvPr>
+          <p:cNvSpPr/>
+          <p:nvPr/>
+        </p:nvSpPr>
+        <p:spPr>
+          <a:xfrm>
+            <a:off x="6727972" y="2097248"/>
+            <a:ext cx="1199624" cy="4395627"/>
+          </a:xfrm>
+          <a:prstGeom prst="rect">
+            <a:avLst/>
+          </a:prstGeom>
+          <a:noFill/>
+          <a:ln w="38100"/>
+        </p:spPr>
+        <p:style>
+          <a:lnRef idx="2">
+            <a:schemeClr val="accent1">
+              <a:shade val="50000"/>
+            </a:schemeClr>
+          </a:lnRef>
+          <a:fillRef idx="1">
+            <a:schemeClr val="accent1"/>
+          </a:fillRef>
+          <a:effectRef idx="0">
+            <a:schemeClr val="accent1"/>
+          </a:effectRef>
+          <a:fontRef idx="minor">
+            <a:schemeClr val="lt1"/>
+          </a:fontRef>
+        </p:style>
+        <p:txBody>
+          <a:bodyPr rtlCol="0" anchor="ctr"/>
+          <a:lstStyle/>
+          <a:p>
+            <a:pPr algn="ctr"/>
             <a:endParaRPr lang="en-US" dirty="0"/>
           </a:p>
         </p:txBody>
@@ -6986,7 +9955,7 @@
     </p:spTree>
     <p:extLst>
       <p:ext uri="{BB962C8B-B14F-4D97-AF65-F5344CB8AC3E}">
-        <p14:creationId xmlns:p14="http://schemas.microsoft.com/office/powerpoint/2010/main" val="2281894459"/>
+        <p14:creationId xmlns:p14="http://schemas.microsoft.com/office/powerpoint/2010/main" val="3949020802"/>
       </p:ext>
     </p:extLst>
   </p:cSld>
